--- a/Telegram/Certificate_Template.pptx
+++ b/Telegram/Certificate_Template.pptx
@@ -1,19 +1,40 @@
 
 <file path=ppt/presentation.xml><?xml version="1.0" encoding="utf-8"?>
-<p:presentation xmlns:a="http://schemas.openxmlformats.org/drawingml/2006/main" xmlns:r="http://schemas.openxmlformats.org/officeDocument/2006/relationships" xmlns:p="http://schemas.openxmlformats.org/presentationml/2006/main" saveSubsetFonts="1">
+<p:presentation xmlns:a="http://schemas.openxmlformats.org/drawingml/2006/main" xmlns:r="http://schemas.openxmlformats.org/officeDocument/2006/relationships" xmlns:p="http://schemas.openxmlformats.org/presentationml/2006/main" embedTrueTypeFonts="1" saveSubsetFonts="1">
   <p:sldMasterIdLst>
-    <p:sldMasterId id="2147483660" r:id="rId1"/>
+    <p:sldMasterId id="2147483648" r:id="rId1"/>
   </p:sldMasterIdLst>
   <p:sldIdLst>
     <p:sldId id="256" r:id="rId2"/>
   </p:sldIdLst>
-  <p:sldSz cx="9720263" cy="6858000"/>
+  <p:sldSz cx="7620000" cy="5715000"/>
   <p:notesSz cx="6858000" cy="9144000"/>
+  <p:embeddedFontLst>
+    <p:embeddedFont>
+      <p:font typeface="Podkova SemiBold Bold" panose="020B0604020202020204" charset="-52"/>
+      <p:regular r:id="rId3"/>
+    </p:embeddedFont>
+    <p:embeddedFont>
+      <p:font typeface="Open Sans Light" panose="020B0604020202020204" charset="0"/>
+      <p:regular r:id="rId4"/>
+    </p:embeddedFont>
+    <p:embeddedFont>
+      <p:font typeface="Open Sans Light Bold" panose="020B0604020202020204" charset="0"/>
+      <p:regular r:id="rId5"/>
+    </p:embeddedFont>
+    <p:embeddedFont>
+      <p:font typeface="Calibri" panose="020F0502020204030204" pitchFamily="34" charset="0"/>
+      <p:regular r:id="rId6"/>
+      <p:bold r:id="rId7"/>
+      <p:italic r:id="rId8"/>
+      <p:boldItalic r:id="rId9"/>
+    </p:embeddedFont>
+  </p:embeddedFontLst>
   <p:defaultTextStyle>
     <a:defPPr>
       <a:defRPr lang="en-US"/>
     </a:defPPr>
-    <a:lvl1pPr marL="0" algn="l" defTabSz="457200" rtl="0" eaLnBrk="1" latinLnBrk="0" hangingPunct="1">
+    <a:lvl1pPr marL="0" algn="l" defTabSz="914400" rtl="0" eaLnBrk="1" latinLnBrk="0" hangingPunct="1">
       <a:defRPr sz="1800" kern="1200">
         <a:solidFill>
           <a:schemeClr val="tx1"/>
@@ -23,7 +44,7 @@
         <a:cs typeface="+mn-cs"/>
       </a:defRPr>
     </a:lvl1pPr>
-    <a:lvl2pPr marL="457200" algn="l" defTabSz="457200" rtl="0" eaLnBrk="1" latinLnBrk="0" hangingPunct="1">
+    <a:lvl2pPr marL="457200" algn="l" defTabSz="914400" rtl="0" eaLnBrk="1" latinLnBrk="0" hangingPunct="1">
       <a:defRPr sz="1800" kern="1200">
         <a:solidFill>
           <a:schemeClr val="tx1"/>
@@ -33,7 +54,7 @@
         <a:cs typeface="+mn-cs"/>
       </a:defRPr>
     </a:lvl2pPr>
-    <a:lvl3pPr marL="914400" algn="l" defTabSz="457200" rtl="0" eaLnBrk="1" latinLnBrk="0" hangingPunct="1">
+    <a:lvl3pPr marL="914400" algn="l" defTabSz="914400" rtl="0" eaLnBrk="1" latinLnBrk="0" hangingPunct="1">
       <a:defRPr sz="1800" kern="1200">
         <a:solidFill>
           <a:schemeClr val="tx1"/>
@@ -43,7 +64,7 @@
         <a:cs typeface="+mn-cs"/>
       </a:defRPr>
     </a:lvl3pPr>
-    <a:lvl4pPr marL="1371600" algn="l" defTabSz="457200" rtl="0" eaLnBrk="1" latinLnBrk="0" hangingPunct="1">
+    <a:lvl4pPr marL="1371600" algn="l" defTabSz="914400" rtl="0" eaLnBrk="1" latinLnBrk="0" hangingPunct="1">
       <a:defRPr sz="1800" kern="1200">
         <a:solidFill>
           <a:schemeClr val="tx1"/>
@@ -53,7 +74,7 @@
         <a:cs typeface="+mn-cs"/>
       </a:defRPr>
     </a:lvl4pPr>
-    <a:lvl5pPr marL="1828800" algn="l" defTabSz="457200" rtl="0" eaLnBrk="1" latinLnBrk="0" hangingPunct="1">
+    <a:lvl5pPr marL="1828800" algn="l" defTabSz="914400" rtl="0" eaLnBrk="1" latinLnBrk="0" hangingPunct="1">
       <a:defRPr sz="1800" kern="1200">
         <a:solidFill>
           <a:schemeClr val="tx1"/>
@@ -63,7 +84,7 @@
         <a:cs typeface="+mn-cs"/>
       </a:defRPr>
     </a:lvl5pPr>
-    <a:lvl6pPr marL="2286000" algn="l" defTabSz="457200" rtl="0" eaLnBrk="1" latinLnBrk="0" hangingPunct="1">
+    <a:lvl6pPr marL="2286000" algn="l" defTabSz="914400" rtl="0" eaLnBrk="1" latinLnBrk="0" hangingPunct="1">
       <a:defRPr sz="1800" kern="1200">
         <a:solidFill>
           <a:schemeClr val="tx1"/>
@@ -73,7 +94,7 @@
         <a:cs typeface="+mn-cs"/>
       </a:defRPr>
     </a:lvl6pPr>
-    <a:lvl7pPr marL="2743200" algn="l" defTabSz="457200" rtl="0" eaLnBrk="1" latinLnBrk="0" hangingPunct="1">
+    <a:lvl7pPr marL="2743200" algn="l" defTabSz="914400" rtl="0" eaLnBrk="1" latinLnBrk="0" hangingPunct="1">
       <a:defRPr sz="1800" kern="1200">
         <a:solidFill>
           <a:schemeClr val="tx1"/>
@@ -83,7 +104,7 @@
         <a:cs typeface="+mn-cs"/>
       </a:defRPr>
     </a:lvl7pPr>
-    <a:lvl8pPr marL="3200400" algn="l" defTabSz="457200" rtl="0" eaLnBrk="1" latinLnBrk="0" hangingPunct="1">
+    <a:lvl8pPr marL="3200400" algn="l" defTabSz="914400" rtl="0" eaLnBrk="1" latinLnBrk="0" hangingPunct="1">
       <a:defRPr sz="1800" kern="1200">
         <a:solidFill>
           <a:schemeClr val="tx1"/>
@@ -93,7 +114,7 @@
         <a:cs typeface="+mn-cs"/>
       </a:defRPr>
     </a:lvl8pPr>
-    <a:lvl9pPr marL="3657600" algn="l" defTabSz="457200" rtl="0" eaLnBrk="1" latinLnBrk="0" hangingPunct="1">
+    <a:lvl9pPr marL="3657600" algn="l" defTabSz="914400" rtl="0" eaLnBrk="1" latinLnBrk="0" hangingPunct="1">
       <a:defRPr sz="1800" kern="1200">
         <a:solidFill>
           <a:schemeClr val="tx1"/>
@@ -107,12 +128,12 @@
   <p:extLst>
     <p:ext uri="{EFAFB233-063F-42B5-8137-9DF3F51BA10A}">
       <p15:sldGuideLst xmlns:p15="http://schemas.microsoft.com/office/powerpoint/2012/main">
-        <p15:guide id="1" orient="horz" pos="2160" userDrawn="1">
+        <p15:guide id="1" orient="horz" pos="2160">
           <p15:clr>
             <a:srgbClr val="A4A3A4"/>
           </p15:clr>
         </p15:guide>
-        <p15:guide id="2" pos="3062" userDrawn="1">
+        <p15:guide id="2" pos="2880">
           <p15:clr>
             <a:srgbClr val="A4A3A4"/>
           </p15:clr>
@@ -123,21 +144,9 @@
 </p:presentation>
 </file>
 
-<file path=ppt/commentAuthors.xml><?xml version="1.0" encoding="utf-8"?>
-<p:cmAuthorLst xmlns:a="http://schemas.openxmlformats.org/drawingml/2006/main" xmlns:r="http://schemas.openxmlformats.org/officeDocument/2006/relationships" xmlns:p="http://schemas.openxmlformats.org/presentationml/2006/main">
-  <p:cmAuthor id="1" name="Антон Кондратов" initials="АК" lastIdx="1" clrIdx="0">
-    <p:extLst>
-      <p:ext uri="{19B8F6BF-5375-455C-9EA6-DF929625EA0E}">
-        <p15:presenceInfo xmlns:p15="http://schemas.microsoft.com/office/powerpoint/2012/main" userId="Антон Кондратов" providerId="None"/>
-      </p:ext>
-    </p:extLst>
-  </p:cmAuthor>
-</p:cmAuthorLst>
-</file>
-
 <file path=ppt/slideLayouts/slideLayout1.xml><?xml version="1.0" encoding="utf-8"?>
 <p:sldLayout xmlns:a="http://schemas.openxmlformats.org/drawingml/2006/main" xmlns:r="http://schemas.openxmlformats.org/officeDocument/2006/relationships" xmlns:p="http://schemas.openxmlformats.org/presentationml/2006/main" type="title" preserve="1">
-  <p:cSld name="Титульный слайд">
+  <p:cSld name="Title Slide">
     <p:spTree>
       <p:nvGrpSpPr>
         <p:cNvPr id="1" name=""/>
@@ -164,23 +173,19 @@
         </p:nvSpPr>
         <p:spPr>
           <a:xfrm>
-            <a:off x="729020" y="1122363"/>
-            <a:ext cx="8262224" cy="2387600"/>
+            <a:off x="685800" y="2130425"/>
+            <a:ext cx="7772400" cy="1470025"/>
           </a:xfrm>
         </p:spPr>
         <p:txBody>
-          <a:bodyPr anchor="b"/>
-          <a:lstStyle>
-            <a:lvl1pPr algn="ctr">
-              <a:defRPr sz="6000"/>
-            </a:lvl1pPr>
-          </a:lstStyle>
-          <a:p>
-            <a:r>
-              <a:rPr lang="ru-RU"/>
-              <a:t>Образец заголовка</a:t>
-            </a:r>
-            <a:endParaRPr lang="en-US" dirty="0"/>
+          <a:bodyPr/>
+          <a:lstStyle/>
+          <a:p>
+            <a:r>
+              <a:rPr lang="en-US" smtClean="0"/>
+              <a:t>Click to edit Master title style</a:t>
+            </a:r>
+            <a:endParaRPr lang="en-US"/>
           </a:p>
         </p:txBody>
       </p:sp>
@@ -196,8 +201,8 @@
         </p:nvSpPr>
         <p:spPr>
           <a:xfrm>
-            <a:off x="1215033" y="3602038"/>
-            <a:ext cx="7290197" cy="1655762"/>
+            <a:off x="1371600" y="3886200"/>
+            <a:ext cx="6400800" cy="1752600"/>
           </a:xfrm>
         </p:spPr>
         <p:txBody>
@@ -205,47 +210,101 @@
           <a:lstStyle>
             <a:lvl1pPr marL="0" indent="0" algn="ctr">
               <a:buNone/>
-              <a:defRPr sz="2400"/>
+              <a:defRPr>
+                <a:solidFill>
+                  <a:schemeClr val="tx1">
+                    <a:tint val="75000"/>
+                  </a:schemeClr>
+                </a:solidFill>
+              </a:defRPr>
             </a:lvl1pPr>
             <a:lvl2pPr marL="457200" indent="0" algn="ctr">
               <a:buNone/>
-              <a:defRPr sz="2000"/>
+              <a:defRPr>
+                <a:solidFill>
+                  <a:schemeClr val="tx1">
+                    <a:tint val="75000"/>
+                  </a:schemeClr>
+                </a:solidFill>
+              </a:defRPr>
             </a:lvl2pPr>
             <a:lvl3pPr marL="914400" indent="0" algn="ctr">
               <a:buNone/>
-              <a:defRPr sz="1800"/>
+              <a:defRPr>
+                <a:solidFill>
+                  <a:schemeClr val="tx1">
+                    <a:tint val="75000"/>
+                  </a:schemeClr>
+                </a:solidFill>
+              </a:defRPr>
             </a:lvl3pPr>
             <a:lvl4pPr marL="1371600" indent="0" algn="ctr">
               <a:buNone/>
-              <a:defRPr sz="1600"/>
+              <a:defRPr>
+                <a:solidFill>
+                  <a:schemeClr val="tx1">
+                    <a:tint val="75000"/>
+                  </a:schemeClr>
+                </a:solidFill>
+              </a:defRPr>
             </a:lvl4pPr>
             <a:lvl5pPr marL="1828800" indent="0" algn="ctr">
               <a:buNone/>
-              <a:defRPr sz="1600"/>
+              <a:defRPr>
+                <a:solidFill>
+                  <a:schemeClr val="tx1">
+                    <a:tint val="75000"/>
+                  </a:schemeClr>
+                </a:solidFill>
+              </a:defRPr>
             </a:lvl5pPr>
             <a:lvl6pPr marL="2286000" indent="0" algn="ctr">
               <a:buNone/>
-              <a:defRPr sz="1600"/>
+              <a:defRPr>
+                <a:solidFill>
+                  <a:schemeClr val="tx1">
+                    <a:tint val="75000"/>
+                  </a:schemeClr>
+                </a:solidFill>
+              </a:defRPr>
             </a:lvl6pPr>
             <a:lvl7pPr marL="2743200" indent="0" algn="ctr">
               <a:buNone/>
-              <a:defRPr sz="1600"/>
+              <a:defRPr>
+                <a:solidFill>
+                  <a:schemeClr val="tx1">
+                    <a:tint val="75000"/>
+                  </a:schemeClr>
+                </a:solidFill>
+              </a:defRPr>
             </a:lvl7pPr>
             <a:lvl8pPr marL="3200400" indent="0" algn="ctr">
               <a:buNone/>
-              <a:defRPr sz="1600"/>
+              <a:defRPr>
+                <a:solidFill>
+                  <a:schemeClr val="tx1">
+                    <a:tint val="75000"/>
+                  </a:schemeClr>
+                </a:solidFill>
+              </a:defRPr>
             </a:lvl8pPr>
             <a:lvl9pPr marL="3657600" indent="0" algn="ctr">
               <a:buNone/>
-              <a:defRPr sz="1600"/>
+              <a:defRPr>
+                <a:solidFill>
+                  <a:schemeClr val="tx1">
+                    <a:tint val="75000"/>
+                  </a:schemeClr>
+                </a:solidFill>
+              </a:defRPr>
             </a:lvl9pPr>
           </a:lstStyle>
           <a:p>
             <a:r>
-              <a:rPr lang="ru-RU"/>
-              <a:t>Образец подзаголовка</a:t>
-            </a:r>
-            <a:endParaRPr lang="en-US" dirty="0"/>
+              <a:rPr lang="en-US" smtClean="0"/>
+              <a:t>Click to edit Master subtitle style</a:t>
+            </a:r>
+            <a:endParaRPr lang="en-US"/>
           </a:p>
         </p:txBody>
       </p:sp>
@@ -264,11 +323,12 @@
           <a:bodyPr/>
           <a:lstStyle/>
           <a:p>
-            <a:fld id="{1E257FCD-A35D-4333-91E0-6F5D2CEE6E9D}" type="datetimeFigureOut">
-              <a:rPr lang="ru-RU" smtClean="0"/>
-              <a:t>25.09.2021</a:t>
+            <a:fld id="{1D8BD707-D9CF-40AE-B4C6-C98DA3205C09}" type="datetimeFigureOut">
+              <a:rPr lang="en-US" smtClean="0"/>
+              <a:pPr/>
+              <a:t>3/16/2022</a:t>
             </a:fld>
-            <a:endParaRPr lang="ru-RU"/>
+            <a:endParaRPr lang="en-US"/>
           </a:p>
         </p:txBody>
       </p:sp>
@@ -287,7 +347,7 @@
           <a:bodyPr/>
           <a:lstStyle/>
           <a:p>
-            <a:endParaRPr lang="ru-RU"/>
+            <a:endParaRPr lang="en-US"/>
           </a:p>
         </p:txBody>
       </p:sp>
@@ -306,20 +366,16 @@
           <a:bodyPr/>
           <a:lstStyle/>
           <a:p>
-            <a:fld id="{CD3F01F9-367C-49FA-A203-14AC9F137298}" type="slidenum">
-              <a:rPr lang="ru-RU" smtClean="0"/>
+            <a:fld id="{B6F15528-21DE-4FAA-801E-634DDDAF4B2B}" type="slidenum">
+              <a:rPr lang="en-US" smtClean="0"/>
+              <a:pPr/>
               <a:t>‹#›</a:t>
             </a:fld>
-            <a:endParaRPr lang="ru-RU"/>
+            <a:endParaRPr lang="en-US"/>
           </a:p>
         </p:txBody>
       </p:sp>
     </p:spTree>
-    <p:extLst>
-      <p:ext uri="{BB962C8B-B14F-4D97-AF65-F5344CB8AC3E}">
-        <p14:creationId xmlns:p14="http://schemas.microsoft.com/office/powerpoint/2010/main" val="1087717243"/>
-      </p:ext>
-    </p:extLst>
   </p:cSld>
   <p:clrMapOvr>
     <a:masterClrMapping/>
@@ -329,7 +385,7 @@
 
 <file path=ppt/slideLayouts/slideLayout10.xml><?xml version="1.0" encoding="utf-8"?>
 <p:sldLayout xmlns:a="http://schemas.openxmlformats.org/drawingml/2006/main" xmlns:r="http://schemas.openxmlformats.org/officeDocument/2006/relationships" xmlns:p="http://schemas.openxmlformats.org/presentationml/2006/main" type="vertTx" preserve="1">
-  <p:cSld name="Заголовок и вертикальный текст">
+  <p:cSld name="Title and Vertical Text">
     <p:spTree>
       <p:nvGrpSpPr>
         <p:cNvPr id="1" name=""/>
@@ -360,10 +416,10 @@
           <a:lstStyle/>
           <a:p>
             <a:r>
-              <a:rPr lang="ru-RU"/>
-              <a:t>Образец заголовка</a:t>
-            </a:r>
-            <a:endParaRPr lang="en-US" dirty="0"/>
+              <a:rPr lang="en-US" smtClean="0"/>
+              <a:t>Click to edit Master title style</a:t>
+            </a:r>
+            <a:endParaRPr lang="en-US"/>
           </a:p>
         </p:txBody>
       </p:sp>
@@ -384,38 +440,38 @@
           <a:p>
             <a:pPr lvl="0"/>
             <a:r>
-              <a:rPr lang="ru-RU"/>
-              <a:t>Образец текста</a:t>
+              <a:rPr lang="en-US" smtClean="0"/>
+              <a:t>Click to edit Master text styles</a:t>
             </a:r>
           </a:p>
           <a:p>
             <a:pPr lvl="1"/>
             <a:r>
-              <a:rPr lang="ru-RU"/>
-              <a:t>Второй уровень</a:t>
+              <a:rPr lang="en-US" smtClean="0"/>
+              <a:t>Second level</a:t>
             </a:r>
           </a:p>
           <a:p>
             <a:pPr lvl="2"/>
             <a:r>
-              <a:rPr lang="ru-RU"/>
-              <a:t>Третий уровень</a:t>
+              <a:rPr lang="en-US" smtClean="0"/>
+              <a:t>Third level</a:t>
             </a:r>
           </a:p>
           <a:p>
             <a:pPr lvl="3"/>
             <a:r>
-              <a:rPr lang="ru-RU"/>
-              <a:t>Четвертый уровень</a:t>
+              <a:rPr lang="en-US" smtClean="0"/>
+              <a:t>Fourth level</a:t>
             </a:r>
           </a:p>
           <a:p>
             <a:pPr lvl="4"/>
             <a:r>
-              <a:rPr lang="ru-RU"/>
-              <a:t>Пятый уровень</a:t>
-            </a:r>
-            <a:endParaRPr lang="en-US" dirty="0"/>
+              <a:rPr lang="en-US" smtClean="0"/>
+              <a:t>Fifth level</a:t>
+            </a:r>
+            <a:endParaRPr lang="en-US"/>
           </a:p>
         </p:txBody>
       </p:sp>
@@ -434,11 +490,12 @@
           <a:bodyPr/>
           <a:lstStyle/>
           <a:p>
-            <a:fld id="{1E257FCD-A35D-4333-91E0-6F5D2CEE6E9D}" type="datetimeFigureOut">
-              <a:rPr lang="ru-RU" smtClean="0"/>
-              <a:t>25.09.2021</a:t>
+            <a:fld id="{1D8BD707-D9CF-40AE-B4C6-C98DA3205C09}" type="datetimeFigureOut">
+              <a:rPr lang="en-US" smtClean="0"/>
+              <a:pPr/>
+              <a:t>3/16/2022</a:t>
             </a:fld>
-            <a:endParaRPr lang="ru-RU"/>
+            <a:endParaRPr lang="en-US"/>
           </a:p>
         </p:txBody>
       </p:sp>
@@ -457,7 +514,7 @@
           <a:bodyPr/>
           <a:lstStyle/>
           <a:p>
-            <a:endParaRPr lang="ru-RU"/>
+            <a:endParaRPr lang="en-US"/>
           </a:p>
         </p:txBody>
       </p:sp>
@@ -476,20 +533,16 @@
           <a:bodyPr/>
           <a:lstStyle/>
           <a:p>
-            <a:fld id="{CD3F01F9-367C-49FA-A203-14AC9F137298}" type="slidenum">
-              <a:rPr lang="ru-RU" smtClean="0"/>
+            <a:fld id="{B6F15528-21DE-4FAA-801E-634DDDAF4B2B}" type="slidenum">
+              <a:rPr lang="en-US" smtClean="0"/>
+              <a:pPr/>
               <a:t>‹#›</a:t>
             </a:fld>
-            <a:endParaRPr lang="ru-RU"/>
+            <a:endParaRPr lang="en-US"/>
           </a:p>
         </p:txBody>
       </p:sp>
     </p:spTree>
-    <p:extLst>
-      <p:ext uri="{BB962C8B-B14F-4D97-AF65-F5344CB8AC3E}">
-        <p14:creationId xmlns:p14="http://schemas.microsoft.com/office/powerpoint/2010/main" val="3889773952"/>
-      </p:ext>
-    </p:extLst>
   </p:cSld>
   <p:clrMapOvr>
     <a:masterClrMapping/>
@@ -499,7 +552,7 @@
 
 <file path=ppt/slideLayouts/slideLayout11.xml><?xml version="1.0" encoding="utf-8"?>
 <p:sldLayout xmlns:a="http://schemas.openxmlformats.org/drawingml/2006/main" xmlns:r="http://schemas.openxmlformats.org/officeDocument/2006/relationships" xmlns:p="http://schemas.openxmlformats.org/presentationml/2006/main" type="vertTitleAndTx" preserve="1">
-  <p:cSld name="Вертикальный заголовок и текст">
+  <p:cSld name="Vertical Title and Text">
     <p:spTree>
       <p:nvGrpSpPr>
         <p:cNvPr id="1" name=""/>
@@ -526,8 +579,8 @@
         </p:nvSpPr>
         <p:spPr>
           <a:xfrm>
-            <a:off x="6956064" y="365125"/>
-            <a:ext cx="2095932" cy="5811838"/>
+            <a:off x="6629400" y="274638"/>
+            <a:ext cx="2057400" cy="5851525"/>
           </a:xfrm>
         </p:spPr>
         <p:txBody>
@@ -535,10 +588,10 @@
           <a:lstStyle/>
           <a:p>
             <a:r>
-              <a:rPr lang="ru-RU"/>
-              <a:t>Образец заголовка</a:t>
-            </a:r>
-            <a:endParaRPr lang="en-US" dirty="0"/>
+              <a:rPr lang="en-US" smtClean="0"/>
+              <a:t>Click to edit Master title style</a:t>
+            </a:r>
+            <a:endParaRPr lang="en-US"/>
           </a:p>
         </p:txBody>
       </p:sp>
@@ -554,8 +607,8 @@
         </p:nvSpPr>
         <p:spPr>
           <a:xfrm>
-            <a:off x="668269" y="365125"/>
-            <a:ext cx="6166292" cy="5811838"/>
+            <a:off x="457200" y="274638"/>
+            <a:ext cx="6019800" cy="5851525"/>
           </a:xfrm>
         </p:spPr>
         <p:txBody>
@@ -564,38 +617,38 @@
           <a:p>
             <a:pPr lvl="0"/>
             <a:r>
-              <a:rPr lang="ru-RU"/>
-              <a:t>Образец текста</a:t>
+              <a:rPr lang="en-US" smtClean="0"/>
+              <a:t>Click to edit Master text styles</a:t>
             </a:r>
           </a:p>
           <a:p>
             <a:pPr lvl="1"/>
             <a:r>
-              <a:rPr lang="ru-RU"/>
-              <a:t>Второй уровень</a:t>
+              <a:rPr lang="en-US" smtClean="0"/>
+              <a:t>Second level</a:t>
             </a:r>
           </a:p>
           <a:p>
             <a:pPr lvl="2"/>
             <a:r>
-              <a:rPr lang="ru-RU"/>
-              <a:t>Третий уровень</a:t>
+              <a:rPr lang="en-US" smtClean="0"/>
+              <a:t>Third level</a:t>
             </a:r>
           </a:p>
           <a:p>
             <a:pPr lvl="3"/>
             <a:r>
-              <a:rPr lang="ru-RU"/>
-              <a:t>Четвертый уровень</a:t>
+              <a:rPr lang="en-US" smtClean="0"/>
+              <a:t>Fourth level</a:t>
             </a:r>
           </a:p>
           <a:p>
             <a:pPr lvl="4"/>
             <a:r>
-              <a:rPr lang="ru-RU"/>
-              <a:t>Пятый уровень</a:t>
-            </a:r>
-            <a:endParaRPr lang="en-US" dirty="0"/>
+              <a:rPr lang="en-US" smtClean="0"/>
+              <a:t>Fifth level</a:t>
+            </a:r>
+            <a:endParaRPr lang="en-US"/>
           </a:p>
         </p:txBody>
       </p:sp>
@@ -614,11 +667,12 @@
           <a:bodyPr/>
           <a:lstStyle/>
           <a:p>
-            <a:fld id="{1E257FCD-A35D-4333-91E0-6F5D2CEE6E9D}" type="datetimeFigureOut">
-              <a:rPr lang="ru-RU" smtClean="0"/>
-              <a:t>25.09.2021</a:t>
+            <a:fld id="{1D8BD707-D9CF-40AE-B4C6-C98DA3205C09}" type="datetimeFigureOut">
+              <a:rPr lang="en-US" smtClean="0"/>
+              <a:pPr/>
+              <a:t>3/16/2022</a:t>
             </a:fld>
-            <a:endParaRPr lang="ru-RU"/>
+            <a:endParaRPr lang="en-US"/>
           </a:p>
         </p:txBody>
       </p:sp>
@@ -637,7 +691,7 @@
           <a:bodyPr/>
           <a:lstStyle/>
           <a:p>
-            <a:endParaRPr lang="ru-RU"/>
+            <a:endParaRPr lang="en-US"/>
           </a:p>
         </p:txBody>
       </p:sp>
@@ -656,20 +710,16 @@
           <a:bodyPr/>
           <a:lstStyle/>
           <a:p>
-            <a:fld id="{CD3F01F9-367C-49FA-A203-14AC9F137298}" type="slidenum">
-              <a:rPr lang="ru-RU" smtClean="0"/>
+            <a:fld id="{B6F15528-21DE-4FAA-801E-634DDDAF4B2B}" type="slidenum">
+              <a:rPr lang="en-US" smtClean="0"/>
+              <a:pPr/>
               <a:t>‹#›</a:t>
             </a:fld>
-            <a:endParaRPr lang="ru-RU"/>
+            <a:endParaRPr lang="en-US"/>
           </a:p>
         </p:txBody>
       </p:sp>
     </p:spTree>
-    <p:extLst>
-      <p:ext uri="{BB962C8B-B14F-4D97-AF65-F5344CB8AC3E}">
-        <p14:creationId xmlns:p14="http://schemas.microsoft.com/office/powerpoint/2010/main" val="3206148251"/>
-      </p:ext>
-    </p:extLst>
   </p:cSld>
   <p:clrMapOvr>
     <a:masterClrMapping/>
@@ -679,7 +729,7 @@
 
 <file path=ppt/slideLayouts/slideLayout2.xml><?xml version="1.0" encoding="utf-8"?>
 <p:sldLayout xmlns:a="http://schemas.openxmlformats.org/drawingml/2006/main" xmlns:r="http://schemas.openxmlformats.org/officeDocument/2006/relationships" xmlns:p="http://schemas.openxmlformats.org/presentationml/2006/main" type="obj" preserve="1">
-  <p:cSld name="Заголовок и объект">
+  <p:cSld name="Title and Content">
     <p:spTree>
       <p:nvGrpSpPr>
         <p:cNvPr id="1" name=""/>
@@ -710,10 +760,10 @@
           <a:lstStyle/>
           <a:p>
             <a:r>
-              <a:rPr lang="ru-RU"/>
-              <a:t>Образец заголовка</a:t>
-            </a:r>
-            <a:endParaRPr lang="en-US" dirty="0"/>
+              <a:rPr lang="en-US" smtClean="0"/>
+              <a:t>Click to edit Master title style</a:t>
+            </a:r>
+            <a:endParaRPr lang="en-US"/>
           </a:p>
         </p:txBody>
       </p:sp>
@@ -734,38 +784,38 @@
           <a:p>
             <a:pPr lvl="0"/>
             <a:r>
-              <a:rPr lang="ru-RU"/>
-              <a:t>Образец текста</a:t>
+              <a:rPr lang="en-US" smtClean="0"/>
+              <a:t>Click to edit Master text styles</a:t>
             </a:r>
           </a:p>
           <a:p>
             <a:pPr lvl="1"/>
             <a:r>
-              <a:rPr lang="ru-RU"/>
-              <a:t>Второй уровень</a:t>
+              <a:rPr lang="en-US" smtClean="0"/>
+              <a:t>Second level</a:t>
             </a:r>
           </a:p>
           <a:p>
             <a:pPr lvl="2"/>
             <a:r>
-              <a:rPr lang="ru-RU"/>
-              <a:t>Третий уровень</a:t>
+              <a:rPr lang="en-US" smtClean="0"/>
+              <a:t>Third level</a:t>
             </a:r>
           </a:p>
           <a:p>
             <a:pPr lvl="3"/>
             <a:r>
-              <a:rPr lang="ru-RU"/>
-              <a:t>Четвертый уровень</a:t>
+              <a:rPr lang="en-US" smtClean="0"/>
+              <a:t>Fourth level</a:t>
             </a:r>
           </a:p>
           <a:p>
             <a:pPr lvl="4"/>
             <a:r>
-              <a:rPr lang="ru-RU"/>
-              <a:t>Пятый уровень</a:t>
-            </a:r>
-            <a:endParaRPr lang="en-US" dirty="0"/>
+              <a:rPr lang="en-US" smtClean="0"/>
+              <a:t>Fifth level</a:t>
+            </a:r>
+            <a:endParaRPr lang="en-US"/>
           </a:p>
         </p:txBody>
       </p:sp>
@@ -784,11 +834,12 @@
           <a:bodyPr/>
           <a:lstStyle/>
           <a:p>
-            <a:fld id="{1E257FCD-A35D-4333-91E0-6F5D2CEE6E9D}" type="datetimeFigureOut">
-              <a:rPr lang="ru-RU" smtClean="0"/>
-              <a:t>25.09.2021</a:t>
+            <a:fld id="{1D8BD707-D9CF-40AE-B4C6-C98DA3205C09}" type="datetimeFigureOut">
+              <a:rPr lang="en-US" smtClean="0"/>
+              <a:pPr/>
+              <a:t>3/16/2022</a:t>
             </a:fld>
-            <a:endParaRPr lang="ru-RU"/>
+            <a:endParaRPr lang="en-US"/>
           </a:p>
         </p:txBody>
       </p:sp>
@@ -807,7 +858,7 @@
           <a:bodyPr/>
           <a:lstStyle/>
           <a:p>
-            <a:endParaRPr lang="ru-RU"/>
+            <a:endParaRPr lang="en-US"/>
           </a:p>
         </p:txBody>
       </p:sp>
@@ -826,20 +877,16 @@
           <a:bodyPr/>
           <a:lstStyle/>
           <a:p>
-            <a:fld id="{CD3F01F9-367C-49FA-A203-14AC9F137298}" type="slidenum">
-              <a:rPr lang="ru-RU" smtClean="0"/>
+            <a:fld id="{B6F15528-21DE-4FAA-801E-634DDDAF4B2B}" type="slidenum">
+              <a:rPr lang="en-US" smtClean="0"/>
+              <a:pPr/>
               <a:t>‹#›</a:t>
             </a:fld>
-            <a:endParaRPr lang="ru-RU"/>
+            <a:endParaRPr lang="en-US"/>
           </a:p>
         </p:txBody>
       </p:sp>
     </p:spTree>
-    <p:extLst>
-      <p:ext uri="{BB962C8B-B14F-4D97-AF65-F5344CB8AC3E}">
-        <p14:creationId xmlns:p14="http://schemas.microsoft.com/office/powerpoint/2010/main" val="213510314"/>
-      </p:ext>
-    </p:extLst>
   </p:cSld>
   <p:clrMapOvr>
     <a:masterClrMapping/>
@@ -849,7 +896,7 @@
 
 <file path=ppt/slideLayouts/slideLayout3.xml><?xml version="1.0" encoding="utf-8"?>
 <p:sldLayout xmlns:a="http://schemas.openxmlformats.org/drawingml/2006/main" xmlns:r="http://schemas.openxmlformats.org/officeDocument/2006/relationships" xmlns:p="http://schemas.openxmlformats.org/presentationml/2006/main" type="secHead" preserve="1">
-  <p:cSld name="Заголовок раздела">
+  <p:cSld name="Section Header">
     <p:spTree>
       <p:nvGrpSpPr>
         <p:cNvPr id="1" name=""/>
@@ -876,56 +923,58 @@
         </p:nvSpPr>
         <p:spPr>
           <a:xfrm>
-            <a:off x="663206" y="1709740"/>
-            <a:ext cx="8383727" cy="2852737"/>
+            <a:off x="722313" y="4406900"/>
+            <a:ext cx="7772400" cy="1362075"/>
           </a:xfrm>
         </p:spPr>
         <p:txBody>
+          <a:bodyPr anchor="t"/>
+          <a:lstStyle>
+            <a:lvl1pPr algn="l">
+              <a:defRPr sz="4000" b="1" cap="all"/>
+            </a:lvl1pPr>
+          </a:lstStyle>
+          <a:p>
+            <a:r>
+              <a:rPr lang="en-US" smtClean="0"/>
+              <a:t>Click to edit Master title style</a:t>
+            </a:r>
+            <a:endParaRPr lang="en-US"/>
+          </a:p>
+        </p:txBody>
+      </p:sp>
+      <p:sp>
+        <p:nvSpPr>
+          <p:cNvPr id="3" name="Text Placeholder 2"/>
+          <p:cNvSpPr>
+            <a:spLocks noGrp="1"/>
+          </p:cNvSpPr>
+          <p:nvPr>
+            <p:ph type="body" idx="1"/>
+          </p:nvPr>
+        </p:nvSpPr>
+        <p:spPr>
+          <a:xfrm>
+            <a:off x="722313" y="2906713"/>
+            <a:ext cx="7772400" cy="1500187"/>
+          </a:xfrm>
+        </p:spPr>
+        <p:txBody>
           <a:bodyPr anchor="b"/>
           <a:lstStyle>
-            <a:lvl1pPr>
-              <a:defRPr sz="6000"/>
-            </a:lvl1pPr>
-          </a:lstStyle>
-          <a:p>
-            <a:r>
-              <a:rPr lang="ru-RU"/>
-              <a:t>Образец заголовка</a:t>
-            </a:r>
-            <a:endParaRPr lang="en-US" dirty="0"/>
-          </a:p>
-        </p:txBody>
-      </p:sp>
-      <p:sp>
-        <p:nvSpPr>
-          <p:cNvPr id="3" name="Text Placeholder 2"/>
-          <p:cNvSpPr>
-            <a:spLocks noGrp="1"/>
-          </p:cNvSpPr>
-          <p:nvPr>
-            <p:ph type="body" idx="1"/>
-          </p:nvPr>
-        </p:nvSpPr>
-        <p:spPr>
-          <a:xfrm>
-            <a:off x="663206" y="4589465"/>
-            <a:ext cx="8383727" cy="1500187"/>
-          </a:xfrm>
-        </p:spPr>
-        <p:txBody>
-          <a:bodyPr/>
-          <a:lstStyle>
             <a:lvl1pPr marL="0" indent="0">
               <a:buNone/>
-              <a:defRPr sz="2400">
+              <a:defRPr sz="2000">
                 <a:solidFill>
-                  <a:schemeClr val="tx1"/>
+                  <a:schemeClr val="tx1">
+                    <a:tint val="75000"/>
+                  </a:schemeClr>
                 </a:solidFill>
               </a:defRPr>
             </a:lvl1pPr>
             <a:lvl2pPr marL="457200" indent="0">
               <a:buNone/>
-              <a:defRPr sz="2000">
+              <a:defRPr sz="1800">
                 <a:solidFill>
                   <a:schemeClr val="tx1">
                     <a:tint val="75000"/>
@@ -935,7 +984,7 @@
             </a:lvl2pPr>
             <a:lvl3pPr marL="914400" indent="0">
               <a:buNone/>
-              <a:defRPr sz="1800">
+              <a:defRPr sz="1600">
                 <a:solidFill>
                   <a:schemeClr val="tx1">
                     <a:tint val="75000"/>
@@ -945,7 +994,7 @@
             </a:lvl3pPr>
             <a:lvl4pPr marL="1371600" indent="0">
               <a:buNone/>
-              <a:defRPr sz="1600">
+              <a:defRPr sz="1400">
                 <a:solidFill>
                   <a:schemeClr val="tx1">
                     <a:tint val="75000"/>
@@ -955,7 +1004,7 @@
             </a:lvl4pPr>
             <a:lvl5pPr marL="1828800" indent="0">
               <a:buNone/>
-              <a:defRPr sz="1600">
+              <a:defRPr sz="1400">
                 <a:solidFill>
                   <a:schemeClr val="tx1">
                     <a:tint val="75000"/>
@@ -965,7 +1014,7 @@
             </a:lvl5pPr>
             <a:lvl6pPr marL="2286000" indent="0">
               <a:buNone/>
-              <a:defRPr sz="1600">
+              <a:defRPr sz="1400">
                 <a:solidFill>
                   <a:schemeClr val="tx1">
                     <a:tint val="75000"/>
@@ -975,7 +1024,7 @@
             </a:lvl6pPr>
             <a:lvl7pPr marL="2743200" indent="0">
               <a:buNone/>
-              <a:defRPr sz="1600">
+              <a:defRPr sz="1400">
                 <a:solidFill>
                   <a:schemeClr val="tx1">
                     <a:tint val="75000"/>
@@ -985,7 +1034,7 @@
             </a:lvl7pPr>
             <a:lvl8pPr marL="3200400" indent="0">
               <a:buNone/>
-              <a:defRPr sz="1600">
+              <a:defRPr sz="1400">
                 <a:solidFill>
                   <a:schemeClr val="tx1">
                     <a:tint val="75000"/>
@@ -995,7 +1044,7 @@
             </a:lvl8pPr>
             <a:lvl9pPr marL="3657600" indent="0">
               <a:buNone/>
-              <a:defRPr sz="1600">
+              <a:defRPr sz="1400">
                 <a:solidFill>
                   <a:schemeClr val="tx1">
                     <a:tint val="75000"/>
@@ -1007,8 +1056,8 @@
           <a:p>
             <a:pPr lvl="0"/>
             <a:r>
-              <a:rPr lang="ru-RU"/>
-              <a:t>Образец текста</a:t>
+              <a:rPr lang="en-US" smtClean="0"/>
+              <a:t>Click to edit Master text styles</a:t>
             </a:r>
           </a:p>
         </p:txBody>
@@ -1028,11 +1077,12 @@
           <a:bodyPr/>
           <a:lstStyle/>
           <a:p>
-            <a:fld id="{1E257FCD-A35D-4333-91E0-6F5D2CEE6E9D}" type="datetimeFigureOut">
-              <a:rPr lang="ru-RU" smtClean="0"/>
-              <a:t>25.09.2021</a:t>
+            <a:fld id="{1D8BD707-D9CF-40AE-B4C6-C98DA3205C09}" type="datetimeFigureOut">
+              <a:rPr lang="en-US" smtClean="0"/>
+              <a:pPr/>
+              <a:t>3/16/2022</a:t>
             </a:fld>
-            <a:endParaRPr lang="ru-RU"/>
+            <a:endParaRPr lang="en-US"/>
           </a:p>
         </p:txBody>
       </p:sp>
@@ -1051,7 +1101,7 @@
           <a:bodyPr/>
           <a:lstStyle/>
           <a:p>
-            <a:endParaRPr lang="ru-RU"/>
+            <a:endParaRPr lang="en-US"/>
           </a:p>
         </p:txBody>
       </p:sp>
@@ -1070,20 +1120,16 @@
           <a:bodyPr/>
           <a:lstStyle/>
           <a:p>
-            <a:fld id="{CD3F01F9-367C-49FA-A203-14AC9F137298}" type="slidenum">
-              <a:rPr lang="ru-RU" smtClean="0"/>
+            <a:fld id="{B6F15528-21DE-4FAA-801E-634DDDAF4B2B}" type="slidenum">
+              <a:rPr lang="en-US" smtClean="0"/>
+              <a:pPr/>
               <a:t>‹#›</a:t>
             </a:fld>
-            <a:endParaRPr lang="ru-RU"/>
+            <a:endParaRPr lang="en-US"/>
           </a:p>
         </p:txBody>
       </p:sp>
     </p:spTree>
-    <p:extLst>
-      <p:ext uri="{BB962C8B-B14F-4D97-AF65-F5344CB8AC3E}">
-        <p14:creationId xmlns:p14="http://schemas.microsoft.com/office/powerpoint/2010/main" val="1353368738"/>
-      </p:ext>
-    </p:extLst>
   </p:cSld>
   <p:clrMapOvr>
     <a:masterClrMapping/>
@@ -1093,7 +1139,7 @@
 
 <file path=ppt/slideLayouts/slideLayout4.xml><?xml version="1.0" encoding="utf-8"?>
 <p:sldLayout xmlns:a="http://schemas.openxmlformats.org/drawingml/2006/main" xmlns:r="http://schemas.openxmlformats.org/officeDocument/2006/relationships" xmlns:p="http://schemas.openxmlformats.org/presentationml/2006/main" type="twoObj" preserve="1">
-  <p:cSld name="Два объекта">
+  <p:cSld name="Two Content">
     <p:spTree>
       <p:nvGrpSpPr>
         <p:cNvPr id="1" name=""/>
@@ -1124,10 +1170,10 @@
           <a:lstStyle/>
           <a:p>
             <a:r>
-              <a:rPr lang="ru-RU"/>
-              <a:t>Образец заголовка</a:t>
-            </a:r>
-            <a:endParaRPr lang="en-US" dirty="0"/>
+              <a:rPr lang="en-US" smtClean="0"/>
+              <a:t>Click to edit Master title style</a:t>
+            </a:r>
+            <a:endParaRPr lang="en-US"/>
           </a:p>
         </p:txBody>
       </p:sp>
@@ -1143,48 +1189,76 @@
         </p:nvSpPr>
         <p:spPr>
           <a:xfrm>
-            <a:off x="668268" y="1825625"/>
-            <a:ext cx="4131112" cy="4351338"/>
+            <a:off x="457200" y="1600200"/>
+            <a:ext cx="4038600" cy="4525963"/>
           </a:xfrm>
         </p:spPr>
         <p:txBody>
           <a:bodyPr/>
-          <a:lstStyle/>
+          <a:lstStyle>
+            <a:lvl1pPr>
+              <a:defRPr sz="2800"/>
+            </a:lvl1pPr>
+            <a:lvl2pPr>
+              <a:defRPr sz="2400"/>
+            </a:lvl2pPr>
+            <a:lvl3pPr>
+              <a:defRPr sz="2000"/>
+            </a:lvl3pPr>
+            <a:lvl4pPr>
+              <a:defRPr sz="1800"/>
+            </a:lvl4pPr>
+            <a:lvl5pPr>
+              <a:defRPr sz="1800"/>
+            </a:lvl5pPr>
+            <a:lvl6pPr>
+              <a:defRPr sz="1800"/>
+            </a:lvl6pPr>
+            <a:lvl7pPr>
+              <a:defRPr sz="1800"/>
+            </a:lvl7pPr>
+            <a:lvl8pPr>
+              <a:defRPr sz="1800"/>
+            </a:lvl8pPr>
+            <a:lvl9pPr>
+              <a:defRPr sz="1800"/>
+            </a:lvl9pPr>
+          </a:lstStyle>
           <a:p>
             <a:pPr lvl="0"/>
             <a:r>
-              <a:rPr lang="ru-RU"/>
-              <a:t>Образец текста</a:t>
+              <a:rPr lang="en-US" smtClean="0"/>
+              <a:t>Click to edit Master text styles</a:t>
             </a:r>
           </a:p>
           <a:p>
             <a:pPr lvl="1"/>
             <a:r>
-              <a:rPr lang="ru-RU"/>
-              <a:t>Второй уровень</a:t>
+              <a:rPr lang="en-US" smtClean="0"/>
+              <a:t>Second level</a:t>
             </a:r>
           </a:p>
           <a:p>
             <a:pPr lvl="2"/>
             <a:r>
-              <a:rPr lang="ru-RU"/>
-              <a:t>Третий уровень</a:t>
+              <a:rPr lang="en-US" smtClean="0"/>
+              <a:t>Third level</a:t>
             </a:r>
           </a:p>
           <a:p>
             <a:pPr lvl="3"/>
             <a:r>
-              <a:rPr lang="ru-RU"/>
-              <a:t>Четвертый уровень</a:t>
+              <a:rPr lang="en-US" smtClean="0"/>
+              <a:t>Fourth level</a:t>
             </a:r>
           </a:p>
           <a:p>
             <a:pPr lvl="4"/>
             <a:r>
-              <a:rPr lang="ru-RU"/>
-              <a:t>Пятый уровень</a:t>
-            </a:r>
-            <a:endParaRPr lang="en-US" dirty="0"/>
+              <a:rPr lang="en-US" smtClean="0"/>
+              <a:t>Fifth level</a:t>
+            </a:r>
+            <a:endParaRPr lang="en-US"/>
           </a:p>
         </p:txBody>
       </p:sp>
@@ -1200,48 +1274,76 @@
         </p:nvSpPr>
         <p:spPr>
           <a:xfrm>
-            <a:off x="4920883" y="1825625"/>
-            <a:ext cx="4131112" cy="4351338"/>
+            <a:off x="4648200" y="1600200"/>
+            <a:ext cx="4038600" cy="4525963"/>
           </a:xfrm>
         </p:spPr>
         <p:txBody>
           <a:bodyPr/>
-          <a:lstStyle/>
+          <a:lstStyle>
+            <a:lvl1pPr>
+              <a:defRPr sz="2800"/>
+            </a:lvl1pPr>
+            <a:lvl2pPr>
+              <a:defRPr sz="2400"/>
+            </a:lvl2pPr>
+            <a:lvl3pPr>
+              <a:defRPr sz="2000"/>
+            </a:lvl3pPr>
+            <a:lvl4pPr>
+              <a:defRPr sz="1800"/>
+            </a:lvl4pPr>
+            <a:lvl5pPr>
+              <a:defRPr sz="1800"/>
+            </a:lvl5pPr>
+            <a:lvl6pPr>
+              <a:defRPr sz="1800"/>
+            </a:lvl6pPr>
+            <a:lvl7pPr>
+              <a:defRPr sz="1800"/>
+            </a:lvl7pPr>
+            <a:lvl8pPr>
+              <a:defRPr sz="1800"/>
+            </a:lvl8pPr>
+            <a:lvl9pPr>
+              <a:defRPr sz="1800"/>
+            </a:lvl9pPr>
+          </a:lstStyle>
           <a:p>
             <a:pPr lvl="0"/>
             <a:r>
-              <a:rPr lang="ru-RU"/>
-              <a:t>Образец текста</a:t>
+              <a:rPr lang="en-US" smtClean="0"/>
+              <a:t>Click to edit Master text styles</a:t>
             </a:r>
           </a:p>
           <a:p>
             <a:pPr lvl="1"/>
             <a:r>
-              <a:rPr lang="ru-RU"/>
-              <a:t>Второй уровень</a:t>
+              <a:rPr lang="en-US" smtClean="0"/>
+              <a:t>Second level</a:t>
             </a:r>
           </a:p>
           <a:p>
             <a:pPr lvl="2"/>
             <a:r>
-              <a:rPr lang="ru-RU"/>
-              <a:t>Третий уровень</a:t>
+              <a:rPr lang="en-US" smtClean="0"/>
+              <a:t>Third level</a:t>
             </a:r>
           </a:p>
           <a:p>
             <a:pPr lvl="3"/>
             <a:r>
-              <a:rPr lang="ru-RU"/>
-              <a:t>Четвертый уровень</a:t>
+              <a:rPr lang="en-US" smtClean="0"/>
+              <a:t>Fourth level</a:t>
             </a:r>
           </a:p>
           <a:p>
             <a:pPr lvl="4"/>
             <a:r>
-              <a:rPr lang="ru-RU"/>
-              <a:t>Пятый уровень</a:t>
-            </a:r>
-            <a:endParaRPr lang="en-US" dirty="0"/>
+              <a:rPr lang="en-US" smtClean="0"/>
+              <a:t>Fifth level</a:t>
+            </a:r>
+            <a:endParaRPr lang="en-US"/>
           </a:p>
         </p:txBody>
       </p:sp>
@@ -1260,11 +1362,12 @@
           <a:bodyPr/>
           <a:lstStyle/>
           <a:p>
-            <a:fld id="{1E257FCD-A35D-4333-91E0-6F5D2CEE6E9D}" type="datetimeFigureOut">
-              <a:rPr lang="ru-RU" smtClean="0"/>
-              <a:t>25.09.2021</a:t>
+            <a:fld id="{1D8BD707-D9CF-40AE-B4C6-C98DA3205C09}" type="datetimeFigureOut">
+              <a:rPr lang="en-US" smtClean="0"/>
+              <a:pPr/>
+              <a:t>3/16/2022</a:t>
             </a:fld>
-            <a:endParaRPr lang="ru-RU"/>
+            <a:endParaRPr lang="en-US"/>
           </a:p>
         </p:txBody>
       </p:sp>
@@ -1283,7 +1386,7 @@
           <a:bodyPr/>
           <a:lstStyle/>
           <a:p>
-            <a:endParaRPr lang="ru-RU"/>
+            <a:endParaRPr lang="en-US"/>
           </a:p>
         </p:txBody>
       </p:sp>
@@ -1302,20 +1405,16 @@
           <a:bodyPr/>
           <a:lstStyle/>
           <a:p>
-            <a:fld id="{CD3F01F9-367C-49FA-A203-14AC9F137298}" type="slidenum">
-              <a:rPr lang="ru-RU" smtClean="0"/>
+            <a:fld id="{B6F15528-21DE-4FAA-801E-634DDDAF4B2B}" type="slidenum">
+              <a:rPr lang="en-US" smtClean="0"/>
+              <a:pPr/>
               <a:t>‹#›</a:t>
             </a:fld>
-            <a:endParaRPr lang="ru-RU"/>
+            <a:endParaRPr lang="en-US"/>
           </a:p>
         </p:txBody>
       </p:sp>
     </p:spTree>
-    <p:extLst>
-      <p:ext uri="{BB962C8B-B14F-4D97-AF65-F5344CB8AC3E}">
-        <p14:creationId xmlns:p14="http://schemas.microsoft.com/office/powerpoint/2010/main" val="3418212987"/>
-      </p:ext>
-    </p:extLst>
   </p:cSld>
   <p:clrMapOvr>
     <a:masterClrMapping/>
@@ -1325,7 +1424,7 @@
 
 <file path=ppt/slideLayouts/slideLayout5.xml><?xml version="1.0" encoding="utf-8"?>
 <p:sldLayout xmlns:a="http://schemas.openxmlformats.org/drawingml/2006/main" xmlns:r="http://schemas.openxmlformats.org/officeDocument/2006/relationships" xmlns:p="http://schemas.openxmlformats.org/presentationml/2006/main" type="twoTxTwoObj" preserve="1">
-  <p:cSld name="Сравнение">
+  <p:cSld name="Comparison">
     <p:spTree>
       <p:nvGrpSpPr>
         <p:cNvPr id="1" name=""/>
@@ -1350,38 +1449,37 @@
             <p:ph type="title"/>
           </p:nvPr>
         </p:nvSpPr>
+        <p:spPr/>
+        <p:txBody>
+          <a:bodyPr/>
+          <a:lstStyle>
+            <a:lvl1pPr>
+              <a:defRPr/>
+            </a:lvl1pPr>
+          </a:lstStyle>
+          <a:p>
+            <a:r>
+              <a:rPr lang="en-US" smtClean="0"/>
+              <a:t>Click to edit Master title style</a:t>
+            </a:r>
+            <a:endParaRPr lang="en-US"/>
+          </a:p>
+        </p:txBody>
+      </p:sp>
+      <p:sp>
+        <p:nvSpPr>
+          <p:cNvPr id="3" name="Text Placeholder 2"/>
+          <p:cNvSpPr>
+            <a:spLocks noGrp="1"/>
+          </p:cNvSpPr>
+          <p:nvPr>
+            <p:ph type="body" idx="1"/>
+          </p:nvPr>
+        </p:nvSpPr>
         <p:spPr>
           <a:xfrm>
-            <a:off x="669534" y="365127"/>
-            <a:ext cx="8383727" cy="1325563"/>
-          </a:xfrm>
-        </p:spPr>
-        <p:txBody>
-          <a:bodyPr/>
-          <a:lstStyle/>
-          <a:p>
-            <a:r>
-              <a:rPr lang="ru-RU"/>
-              <a:t>Образец заголовка</a:t>
-            </a:r>
-            <a:endParaRPr lang="en-US" dirty="0"/>
-          </a:p>
-        </p:txBody>
-      </p:sp>
-      <p:sp>
-        <p:nvSpPr>
-          <p:cNvPr id="3" name="Text Placeholder 2"/>
-          <p:cNvSpPr>
-            <a:spLocks noGrp="1"/>
-          </p:cNvSpPr>
-          <p:nvPr>
-            <p:ph type="body" idx="1"/>
-          </p:nvPr>
-        </p:nvSpPr>
-        <p:spPr>
-          <a:xfrm>
-            <a:off x="669535" y="1681163"/>
-            <a:ext cx="4112126" cy="823912"/>
+            <a:off x="457200" y="1535113"/>
+            <a:ext cx="4040188" cy="639762"/>
           </a:xfrm>
         </p:spPr>
         <p:txBody>
@@ -1427,8 +1525,8 @@
           <a:p>
             <a:pPr lvl="0"/>
             <a:r>
-              <a:rPr lang="ru-RU"/>
-              <a:t>Образец текста</a:t>
+              <a:rPr lang="en-US" smtClean="0"/>
+              <a:t>Click to edit Master text styles</a:t>
             </a:r>
           </a:p>
         </p:txBody>
@@ -1445,48 +1543,76 @@
         </p:nvSpPr>
         <p:spPr>
           <a:xfrm>
-            <a:off x="669535" y="2505075"/>
-            <a:ext cx="4112126" cy="3684588"/>
+            <a:off x="457200" y="2174875"/>
+            <a:ext cx="4040188" cy="3951288"/>
           </a:xfrm>
         </p:spPr>
         <p:txBody>
           <a:bodyPr/>
-          <a:lstStyle/>
+          <a:lstStyle>
+            <a:lvl1pPr>
+              <a:defRPr sz="2400"/>
+            </a:lvl1pPr>
+            <a:lvl2pPr>
+              <a:defRPr sz="2000"/>
+            </a:lvl2pPr>
+            <a:lvl3pPr>
+              <a:defRPr sz="1800"/>
+            </a:lvl3pPr>
+            <a:lvl4pPr>
+              <a:defRPr sz="1600"/>
+            </a:lvl4pPr>
+            <a:lvl5pPr>
+              <a:defRPr sz="1600"/>
+            </a:lvl5pPr>
+            <a:lvl6pPr>
+              <a:defRPr sz="1600"/>
+            </a:lvl6pPr>
+            <a:lvl7pPr>
+              <a:defRPr sz="1600"/>
+            </a:lvl7pPr>
+            <a:lvl8pPr>
+              <a:defRPr sz="1600"/>
+            </a:lvl8pPr>
+            <a:lvl9pPr>
+              <a:defRPr sz="1600"/>
+            </a:lvl9pPr>
+          </a:lstStyle>
           <a:p>
             <a:pPr lvl="0"/>
             <a:r>
-              <a:rPr lang="ru-RU"/>
-              <a:t>Образец текста</a:t>
+              <a:rPr lang="en-US" smtClean="0"/>
+              <a:t>Click to edit Master text styles</a:t>
             </a:r>
           </a:p>
           <a:p>
             <a:pPr lvl="1"/>
             <a:r>
-              <a:rPr lang="ru-RU"/>
-              <a:t>Второй уровень</a:t>
+              <a:rPr lang="en-US" smtClean="0"/>
+              <a:t>Second level</a:t>
             </a:r>
           </a:p>
           <a:p>
             <a:pPr lvl="2"/>
             <a:r>
-              <a:rPr lang="ru-RU"/>
-              <a:t>Третий уровень</a:t>
+              <a:rPr lang="en-US" smtClean="0"/>
+              <a:t>Third level</a:t>
             </a:r>
           </a:p>
           <a:p>
             <a:pPr lvl="3"/>
             <a:r>
-              <a:rPr lang="ru-RU"/>
-              <a:t>Четвертый уровень</a:t>
+              <a:rPr lang="en-US" smtClean="0"/>
+              <a:t>Fourth level</a:t>
             </a:r>
           </a:p>
           <a:p>
             <a:pPr lvl="4"/>
             <a:r>
-              <a:rPr lang="ru-RU"/>
-              <a:t>Пятый уровень</a:t>
-            </a:r>
-            <a:endParaRPr lang="en-US" dirty="0"/>
+              <a:rPr lang="en-US" smtClean="0"/>
+              <a:t>Fifth level</a:t>
+            </a:r>
+            <a:endParaRPr lang="en-US"/>
           </a:p>
         </p:txBody>
       </p:sp>
@@ -1502,8 +1628,8 @@
         </p:nvSpPr>
         <p:spPr>
           <a:xfrm>
-            <a:off x="4920884" y="1681163"/>
-            <a:ext cx="4132378" cy="823912"/>
+            <a:off x="4645025" y="1535113"/>
+            <a:ext cx="4041775" cy="639762"/>
           </a:xfrm>
         </p:spPr>
         <p:txBody>
@@ -1549,8 +1675,8 @@
           <a:p>
             <a:pPr lvl="0"/>
             <a:r>
-              <a:rPr lang="ru-RU"/>
-              <a:t>Образец текста</a:t>
+              <a:rPr lang="en-US" smtClean="0"/>
+              <a:t>Click to edit Master text styles</a:t>
             </a:r>
           </a:p>
         </p:txBody>
@@ -1567,48 +1693,76 @@
         </p:nvSpPr>
         <p:spPr>
           <a:xfrm>
-            <a:off x="4920884" y="2505075"/>
-            <a:ext cx="4132378" cy="3684588"/>
+            <a:off x="4645025" y="2174875"/>
+            <a:ext cx="4041775" cy="3951288"/>
           </a:xfrm>
         </p:spPr>
         <p:txBody>
           <a:bodyPr/>
-          <a:lstStyle/>
+          <a:lstStyle>
+            <a:lvl1pPr>
+              <a:defRPr sz="2400"/>
+            </a:lvl1pPr>
+            <a:lvl2pPr>
+              <a:defRPr sz="2000"/>
+            </a:lvl2pPr>
+            <a:lvl3pPr>
+              <a:defRPr sz="1800"/>
+            </a:lvl3pPr>
+            <a:lvl4pPr>
+              <a:defRPr sz="1600"/>
+            </a:lvl4pPr>
+            <a:lvl5pPr>
+              <a:defRPr sz="1600"/>
+            </a:lvl5pPr>
+            <a:lvl6pPr>
+              <a:defRPr sz="1600"/>
+            </a:lvl6pPr>
+            <a:lvl7pPr>
+              <a:defRPr sz="1600"/>
+            </a:lvl7pPr>
+            <a:lvl8pPr>
+              <a:defRPr sz="1600"/>
+            </a:lvl8pPr>
+            <a:lvl9pPr>
+              <a:defRPr sz="1600"/>
+            </a:lvl9pPr>
+          </a:lstStyle>
           <a:p>
             <a:pPr lvl="0"/>
             <a:r>
-              <a:rPr lang="ru-RU"/>
-              <a:t>Образец текста</a:t>
+              <a:rPr lang="en-US" smtClean="0"/>
+              <a:t>Click to edit Master text styles</a:t>
             </a:r>
           </a:p>
           <a:p>
             <a:pPr lvl="1"/>
             <a:r>
-              <a:rPr lang="ru-RU"/>
-              <a:t>Второй уровень</a:t>
+              <a:rPr lang="en-US" smtClean="0"/>
+              <a:t>Second level</a:t>
             </a:r>
           </a:p>
           <a:p>
             <a:pPr lvl="2"/>
             <a:r>
-              <a:rPr lang="ru-RU"/>
-              <a:t>Третий уровень</a:t>
+              <a:rPr lang="en-US" smtClean="0"/>
+              <a:t>Third level</a:t>
             </a:r>
           </a:p>
           <a:p>
             <a:pPr lvl="3"/>
             <a:r>
-              <a:rPr lang="ru-RU"/>
-              <a:t>Четвертый уровень</a:t>
+              <a:rPr lang="en-US" smtClean="0"/>
+              <a:t>Fourth level</a:t>
             </a:r>
           </a:p>
           <a:p>
             <a:pPr lvl="4"/>
             <a:r>
-              <a:rPr lang="ru-RU"/>
-              <a:t>Пятый уровень</a:t>
-            </a:r>
-            <a:endParaRPr lang="en-US" dirty="0"/>
+              <a:rPr lang="en-US" smtClean="0"/>
+              <a:t>Fifth level</a:t>
+            </a:r>
+            <a:endParaRPr lang="en-US"/>
           </a:p>
         </p:txBody>
       </p:sp>
@@ -1627,11 +1781,12 @@
           <a:bodyPr/>
           <a:lstStyle/>
           <a:p>
-            <a:fld id="{1E257FCD-A35D-4333-91E0-6F5D2CEE6E9D}" type="datetimeFigureOut">
-              <a:rPr lang="ru-RU" smtClean="0"/>
-              <a:t>25.09.2021</a:t>
+            <a:fld id="{1D8BD707-D9CF-40AE-B4C6-C98DA3205C09}" type="datetimeFigureOut">
+              <a:rPr lang="en-US" smtClean="0"/>
+              <a:pPr/>
+              <a:t>3/16/2022</a:t>
             </a:fld>
-            <a:endParaRPr lang="ru-RU"/>
+            <a:endParaRPr lang="en-US"/>
           </a:p>
         </p:txBody>
       </p:sp>
@@ -1650,7 +1805,7 @@
           <a:bodyPr/>
           <a:lstStyle/>
           <a:p>
-            <a:endParaRPr lang="ru-RU"/>
+            <a:endParaRPr lang="en-US"/>
           </a:p>
         </p:txBody>
       </p:sp>
@@ -1669,20 +1824,16 @@
           <a:bodyPr/>
           <a:lstStyle/>
           <a:p>
-            <a:fld id="{CD3F01F9-367C-49FA-A203-14AC9F137298}" type="slidenum">
-              <a:rPr lang="ru-RU" smtClean="0"/>
+            <a:fld id="{B6F15528-21DE-4FAA-801E-634DDDAF4B2B}" type="slidenum">
+              <a:rPr lang="en-US" smtClean="0"/>
+              <a:pPr/>
               <a:t>‹#›</a:t>
             </a:fld>
-            <a:endParaRPr lang="ru-RU"/>
+            <a:endParaRPr lang="en-US"/>
           </a:p>
         </p:txBody>
       </p:sp>
     </p:spTree>
-    <p:extLst>
-      <p:ext uri="{BB962C8B-B14F-4D97-AF65-F5344CB8AC3E}">
-        <p14:creationId xmlns:p14="http://schemas.microsoft.com/office/powerpoint/2010/main" val="1126294794"/>
-      </p:ext>
-    </p:extLst>
   </p:cSld>
   <p:clrMapOvr>
     <a:masterClrMapping/>
@@ -1692,7 +1843,7 @@
 
 <file path=ppt/slideLayouts/slideLayout6.xml><?xml version="1.0" encoding="utf-8"?>
 <p:sldLayout xmlns:a="http://schemas.openxmlformats.org/drawingml/2006/main" xmlns:r="http://schemas.openxmlformats.org/officeDocument/2006/relationships" xmlns:p="http://schemas.openxmlformats.org/presentationml/2006/main" type="titleOnly" preserve="1">
-  <p:cSld name="Только заголовок">
+  <p:cSld name="Title Only">
     <p:spTree>
       <p:nvGrpSpPr>
         <p:cNvPr id="1" name=""/>
@@ -1723,10 +1874,10 @@
           <a:lstStyle/>
           <a:p>
             <a:r>
-              <a:rPr lang="ru-RU"/>
-              <a:t>Образец заголовка</a:t>
-            </a:r>
-            <a:endParaRPr lang="en-US" dirty="0"/>
+              <a:rPr lang="en-US" smtClean="0"/>
+              <a:t>Click to edit Master title style</a:t>
+            </a:r>
+            <a:endParaRPr lang="en-US"/>
           </a:p>
         </p:txBody>
       </p:sp>
@@ -1745,11 +1896,12 @@
           <a:bodyPr/>
           <a:lstStyle/>
           <a:p>
-            <a:fld id="{1E257FCD-A35D-4333-91E0-6F5D2CEE6E9D}" type="datetimeFigureOut">
-              <a:rPr lang="ru-RU" smtClean="0"/>
-              <a:t>25.09.2021</a:t>
+            <a:fld id="{1D8BD707-D9CF-40AE-B4C6-C98DA3205C09}" type="datetimeFigureOut">
+              <a:rPr lang="en-US" smtClean="0"/>
+              <a:pPr/>
+              <a:t>3/16/2022</a:t>
             </a:fld>
-            <a:endParaRPr lang="ru-RU"/>
+            <a:endParaRPr lang="en-US"/>
           </a:p>
         </p:txBody>
       </p:sp>
@@ -1768,7 +1920,7 @@
           <a:bodyPr/>
           <a:lstStyle/>
           <a:p>
-            <a:endParaRPr lang="ru-RU"/>
+            <a:endParaRPr lang="en-US"/>
           </a:p>
         </p:txBody>
       </p:sp>
@@ -1787,20 +1939,16 @@
           <a:bodyPr/>
           <a:lstStyle/>
           <a:p>
-            <a:fld id="{CD3F01F9-367C-49FA-A203-14AC9F137298}" type="slidenum">
-              <a:rPr lang="ru-RU" smtClean="0"/>
+            <a:fld id="{B6F15528-21DE-4FAA-801E-634DDDAF4B2B}" type="slidenum">
+              <a:rPr lang="en-US" smtClean="0"/>
+              <a:pPr/>
               <a:t>‹#›</a:t>
             </a:fld>
-            <a:endParaRPr lang="ru-RU"/>
+            <a:endParaRPr lang="en-US"/>
           </a:p>
         </p:txBody>
       </p:sp>
     </p:spTree>
-    <p:extLst>
-      <p:ext uri="{BB962C8B-B14F-4D97-AF65-F5344CB8AC3E}">
-        <p14:creationId xmlns:p14="http://schemas.microsoft.com/office/powerpoint/2010/main" val="1259535412"/>
-      </p:ext>
-    </p:extLst>
   </p:cSld>
   <p:clrMapOvr>
     <a:masterClrMapping/>
@@ -1810,7 +1958,7 @@
 
 <file path=ppt/slideLayouts/slideLayout7.xml><?xml version="1.0" encoding="utf-8"?>
 <p:sldLayout xmlns:a="http://schemas.openxmlformats.org/drawingml/2006/main" xmlns:r="http://schemas.openxmlformats.org/officeDocument/2006/relationships" xmlns:p="http://schemas.openxmlformats.org/presentationml/2006/main" type="blank" preserve="1">
-  <p:cSld name="Пустой слайд">
+  <p:cSld name="Blank">
     <p:spTree>
       <p:nvGrpSpPr>
         <p:cNvPr id="1" name=""/>
@@ -1840,11 +1988,12 @@
           <a:bodyPr/>
           <a:lstStyle/>
           <a:p>
-            <a:fld id="{1E257FCD-A35D-4333-91E0-6F5D2CEE6E9D}" type="datetimeFigureOut">
-              <a:rPr lang="ru-RU" smtClean="0"/>
-              <a:t>25.09.2021</a:t>
+            <a:fld id="{1D8BD707-D9CF-40AE-B4C6-C98DA3205C09}" type="datetimeFigureOut">
+              <a:rPr lang="en-US" smtClean="0"/>
+              <a:pPr/>
+              <a:t>3/16/2022</a:t>
             </a:fld>
-            <a:endParaRPr lang="ru-RU"/>
+            <a:endParaRPr lang="en-US"/>
           </a:p>
         </p:txBody>
       </p:sp>
@@ -1863,7 +2012,7 @@
           <a:bodyPr/>
           <a:lstStyle/>
           <a:p>
-            <a:endParaRPr lang="ru-RU"/>
+            <a:endParaRPr lang="en-US"/>
           </a:p>
         </p:txBody>
       </p:sp>
@@ -1882,20 +2031,16 @@
           <a:bodyPr/>
           <a:lstStyle/>
           <a:p>
-            <a:fld id="{CD3F01F9-367C-49FA-A203-14AC9F137298}" type="slidenum">
-              <a:rPr lang="ru-RU" smtClean="0"/>
+            <a:fld id="{B6F15528-21DE-4FAA-801E-634DDDAF4B2B}" type="slidenum">
+              <a:rPr lang="en-US" smtClean="0"/>
+              <a:pPr/>
               <a:t>‹#›</a:t>
             </a:fld>
-            <a:endParaRPr lang="ru-RU"/>
+            <a:endParaRPr lang="en-US"/>
           </a:p>
         </p:txBody>
       </p:sp>
     </p:spTree>
-    <p:extLst>
-      <p:ext uri="{BB962C8B-B14F-4D97-AF65-F5344CB8AC3E}">
-        <p14:creationId xmlns:p14="http://schemas.microsoft.com/office/powerpoint/2010/main" val="4242536919"/>
-      </p:ext>
-    </p:extLst>
   </p:cSld>
   <p:clrMapOvr>
     <a:masterClrMapping/>
@@ -1905,7 +2050,7 @@
 
 <file path=ppt/slideLayouts/slideLayout8.xml><?xml version="1.0" encoding="utf-8"?>
 <p:sldLayout xmlns:a="http://schemas.openxmlformats.org/drawingml/2006/main" xmlns:r="http://schemas.openxmlformats.org/officeDocument/2006/relationships" xmlns:p="http://schemas.openxmlformats.org/presentationml/2006/main" type="objTx" preserve="1">
-  <p:cSld name="Объект с подписью">
+  <p:cSld name="Content with Caption">
     <p:spTree>
       <p:nvGrpSpPr>
         <p:cNvPr id="1" name=""/>
@@ -1932,23 +2077,23 @@
         </p:nvSpPr>
         <p:spPr>
           <a:xfrm>
-            <a:off x="669534" y="457200"/>
-            <a:ext cx="3135038" cy="1600200"/>
+            <a:off x="457200" y="273050"/>
+            <a:ext cx="3008313" cy="1162050"/>
           </a:xfrm>
         </p:spPr>
         <p:txBody>
           <a:bodyPr anchor="b"/>
           <a:lstStyle>
-            <a:lvl1pPr>
-              <a:defRPr sz="3200"/>
+            <a:lvl1pPr algn="l">
+              <a:defRPr sz="2000" b="1"/>
             </a:lvl1pPr>
           </a:lstStyle>
           <a:p>
             <a:r>
-              <a:rPr lang="ru-RU"/>
-              <a:t>Образец заголовка</a:t>
-            </a:r>
-            <a:endParaRPr lang="en-US" dirty="0"/>
+              <a:rPr lang="en-US" smtClean="0"/>
+              <a:t>Click to edit Master title style</a:t>
+            </a:r>
+            <a:endParaRPr lang="en-US"/>
           </a:p>
         </p:txBody>
       </p:sp>
@@ -1964,8 +2109,8 @@
         </p:nvSpPr>
         <p:spPr>
           <a:xfrm>
-            <a:off x="4132378" y="987427"/>
-            <a:ext cx="4920883" cy="4873625"/>
+            <a:off x="3575050" y="273050"/>
+            <a:ext cx="5111750" cy="5853113"/>
           </a:xfrm>
         </p:spPr>
         <p:txBody>
@@ -2002,38 +2147,38 @@
           <a:p>
             <a:pPr lvl="0"/>
             <a:r>
-              <a:rPr lang="ru-RU"/>
-              <a:t>Образец текста</a:t>
+              <a:rPr lang="en-US" smtClean="0"/>
+              <a:t>Click to edit Master text styles</a:t>
             </a:r>
           </a:p>
           <a:p>
             <a:pPr lvl="1"/>
             <a:r>
-              <a:rPr lang="ru-RU"/>
-              <a:t>Второй уровень</a:t>
+              <a:rPr lang="en-US" smtClean="0"/>
+              <a:t>Second level</a:t>
             </a:r>
           </a:p>
           <a:p>
             <a:pPr lvl="2"/>
             <a:r>
-              <a:rPr lang="ru-RU"/>
-              <a:t>Третий уровень</a:t>
+              <a:rPr lang="en-US" smtClean="0"/>
+              <a:t>Third level</a:t>
             </a:r>
           </a:p>
           <a:p>
             <a:pPr lvl="3"/>
             <a:r>
-              <a:rPr lang="ru-RU"/>
-              <a:t>Четвертый уровень</a:t>
+              <a:rPr lang="en-US" smtClean="0"/>
+              <a:t>Fourth level</a:t>
             </a:r>
           </a:p>
           <a:p>
             <a:pPr lvl="4"/>
             <a:r>
-              <a:rPr lang="ru-RU"/>
-              <a:t>Пятый уровень</a:t>
-            </a:r>
-            <a:endParaRPr lang="en-US" dirty="0"/>
+              <a:rPr lang="en-US" smtClean="0"/>
+              <a:t>Fifth level</a:t>
+            </a:r>
+            <a:endParaRPr lang="en-US"/>
           </a:p>
         </p:txBody>
       </p:sp>
@@ -2049,8 +2194,8 @@
         </p:nvSpPr>
         <p:spPr>
           <a:xfrm>
-            <a:off x="669534" y="2057400"/>
-            <a:ext cx="3135038" cy="3811588"/>
+            <a:off x="457200" y="1435100"/>
+            <a:ext cx="3008313" cy="4691063"/>
           </a:xfrm>
         </p:spPr>
         <p:txBody>
@@ -2058,46 +2203,46 @@
           <a:lstStyle>
             <a:lvl1pPr marL="0" indent="0">
               <a:buNone/>
-              <a:defRPr sz="1600"/>
+              <a:defRPr sz="1400"/>
             </a:lvl1pPr>
             <a:lvl2pPr marL="457200" indent="0">
               <a:buNone/>
-              <a:defRPr sz="1400"/>
+              <a:defRPr sz="1200"/>
             </a:lvl2pPr>
             <a:lvl3pPr marL="914400" indent="0">
               <a:buNone/>
-              <a:defRPr sz="1200"/>
+              <a:defRPr sz="1000"/>
             </a:lvl3pPr>
             <a:lvl4pPr marL="1371600" indent="0">
               <a:buNone/>
-              <a:defRPr sz="1000"/>
+              <a:defRPr sz="900"/>
             </a:lvl4pPr>
             <a:lvl5pPr marL="1828800" indent="0">
               <a:buNone/>
-              <a:defRPr sz="1000"/>
+              <a:defRPr sz="900"/>
             </a:lvl5pPr>
             <a:lvl6pPr marL="2286000" indent="0">
               <a:buNone/>
-              <a:defRPr sz="1000"/>
+              <a:defRPr sz="900"/>
             </a:lvl6pPr>
             <a:lvl7pPr marL="2743200" indent="0">
               <a:buNone/>
-              <a:defRPr sz="1000"/>
+              <a:defRPr sz="900"/>
             </a:lvl7pPr>
             <a:lvl8pPr marL="3200400" indent="0">
               <a:buNone/>
-              <a:defRPr sz="1000"/>
+              <a:defRPr sz="900"/>
             </a:lvl8pPr>
             <a:lvl9pPr marL="3657600" indent="0">
               <a:buNone/>
-              <a:defRPr sz="1000"/>
+              <a:defRPr sz="900"/>
             </a:lvl9pPr>
           </a:lstStyle>
           <a:p>
             <a:pPr lvl="0"/>
             <a:r>
-              <a:rPr lang="ru-RU"/>
-              <a:t>Образец текста</a:t>
+              <a:rPr lang="en-US" smtClean="0"/>
+              <a:t>Click to edit Master text styles</a:t>
             </a:r>
           </a:p>
         </p:txBody>
@@ -2117,11 +2262,12 @@
           <a:bodyPr/>
           <a:lstStyle/>
           <a:p>
-            <a:fld id="{1E257FCD-A35D-4333-91E0-6F5D2CEE6E9D}" type="datetimeFigureOut">
-              <a:rPr lang="ru-RU" smtClean="0"/>
-              <a:t>25.09.2021</a:t>
+            <a:fld id="{1D8BD707-D9CF-40AE-B4C6-C98DA3205C09}" type="datetimeFigureOut">
+              <a:rPr lang="en-US" smtClean="0"/>
+              <a:pPr/>
+              <a:t>3/16/2022</a:t>
             </a:fld>
-            <a:endParaRPr lang="ru-RU"/>
+            <a:endParaRPr lang="en-US"/>
           </a:p>
         </p:txBody>
       </p:sp>
@@ -2140,7 +2286,7 @@
           <a:bodyPr/>
           <a:lstStyle/>
           <a:p>
-            <a:endParaRPr lang="ru-RU"/>
+            <a:endParaRPr lang="en-US"/>
           </a:p>
         </p:txBody>
       </p:sp>
@@ -2159,20 +2305,16 @@
           <a:bodyPr/>
           <a:lstStyle/>
           <a:p>
-            <a:fld id="{CD3F01F9-367C-49FA-A203-14AC9F137298}" type="slidenum">
-              <a:rPr lang="ru-RU" smtClean="0"/>
+            <a:fld id="{B6F15528-21DE-4FAA-801E-634DDDAF4B2B}" type="slidenum">
+              <a:rPr lang="en-US" smtClean="0"/>
+              <a:pPr/>
               <a:t>‹#›</a:t>
             </a:fld>
-            <a:endParaRPr lang="ru-RU"/>
+            <a:endParaRPr lang="en-US"/>
           </a:p>
         </p:txBody>
       </p:sp>
     </p:spTree>
-    <p:extLst>
-      <p:ext uri="{BB962C8B-B14F-4D97-AF65-F5344CB8AC3E}">
-        <p14:creationId xmlns:p14="http://schemas.microsoft.com/office/powerpoint/2010/main" val="209750584"/>
-      </p:ext>
-    </p:extLst>
   </p:cSld>
   <p:clrMapOvr>
     <a:masterClrMapping/>
@@ -2182,7 +2324,7 @@
 
 <file path=ppt/slideLayouts/slideLayout9.xml><?xml version="1.0" encoding="utf-8"?>
 <p:sldLayout xmlns:a="http://schemas.openxmlformats.org/drawingml/2006/main" xmlns:r="http://schemas.openxmlformats.org/officeDocument/2006/relationships" xmlns:p="http://schemas.openxmlformats.org/presentationml/2006/main" type="picTx" preserve="1">
-  <p:cSld name="Рисунок с подписью">
+  <p:cSld name="Picture with Caption">
     <p:spTree>
       <p:nvGrpSpPr>
         <p:cNvPr id="1" name=""/>
@@ -2209,23 +2351,23 @@
         </p:nvSpPr>
         <p:spPr>
           <a:xfrm>
-            <a:off x="669534" y="457200"/>
-            <a:ext cx="3135038" cy="1600200"/>
+            <a:off x="1792288" y="4800600"/>
+            <a:ext cx="5486400" cy="566738"/>
           </a:xfrm>
         </p:spPr>
         <p:txBody>
           <a:bodyPr anchor="b"/>
           <a:lstStyle>
-            <a:lvl1pPr>
-              <a:defRPr sz="3200"/>
+            <a:lvl1pPr algn="l">
+              <a:defRPr sz="2000" b="1"/>
             </a:lvl1pPr>
           </a:lstStyle>
           <a:p>
             <a:r>
-              <a:rPr lang="ru-RU"/>
-              <a:t>Образец заголовка</a:t>
-            </a:r>
-            <a:endParaRPr lang="en-US" dirty="0"/>
+              <a:rPr lang="en-US" smtClean="0"/>
+              <a:t>Click to edit Master title style</a:t>
+            </a:r>
+            <a:endParaRPr lang="en-US"/>
           </a:p>
         </p:txBody>
       </p:sp>
@@ -2233,7 +2375,7 @@
         <p:nvSpPr>
           <p:cNvPr id="3" name="Picture Placeholder 2"/>
           <p:cNvSpPr>
-            <a:spLocks noGrp="1" noChangeAspect="1"/>
+            <a:spLocks noGrp="1"/>
           </p:cNvSpPr>
           <p:nvPr>
             <p:ph type="pic" idx="1"/>
@@ -2241,12 +2383,12 @@
         </p:nvSpPr>
         <p:spPr>
           <a:xfrm>
-            <a:off x="4132378" y="987427"/>
-            <a:ext cx="4920883" cy="4873625"/>
+            <a:off x="1792288" y="612775"/>
+            <a:ext cx="5486400" cy="4114800"/>
           </a:xfrm>
         </p:spPr>
         <p:txBody>
-          <a:bodyPr anchor="t"/>
+          <a:bodyPr/>
           <a:lstStyle>
             <a:lvl1pPr marL="0" indent="0">
               <a:buNone/>
@@ -2286,11 +2428,7 @@
             </a:lvl9pPr>
           </a:lstStyle>
           <a:p>
-            <a:r>
-              <a:rPr lang="ru-RU"/>
-              <a:t>Вставка рисунка</a:t>
-            </a:r>
-            <a:endParaRPr lang="en-US" dirty="0"/>
+            <a:endParaRPr lang="en-US"/>
           </a:p>
         </p:txBody>
       </p:sp>
@@ -2306,8 +2444,8 @@
         </p:nvSpPr>
         <p:spPr>
           <a:xfrm>
-            <a:off x="669534" y="2057400"/>
-            <a:ext cx="3135038" cy="3811588"/>
+            <a:off x="1792288" y="5367338"/>
+            <a:ext cx="5486400" cy="804862"/>
           </a:xfrm>
         </p:spPr>
         <p:txBody>
@@ -2315,46 +2453,46 @@
           <a:lstStyle>
             <a:lvl1pPr marL="0" indent="0">
               <a:buNone/>
-              <a:defRPr sz="1600"/>
+              <a:defRPr sz="1400"/>
             </a:lvl1pPr>
             <a:lvl2pPr marL="457200" indent="0">
               <a:buNone/>
-              <a:defRPr sz="1400"/>
+              <a:defRPr sz="1200"/>
             </a:lvl2pPr>
             <a:lvl3pPr marL="914400" indent="0">
               <a:buNone/>
-              <a:defRPr sz="1200"/>
+              <a:defRPr sz="1000"/>
             </a:lvl3pPr>
             <a:lvl4pPr marL="1371600" indent="0">
               <a:buNone/>
-              <a:defRPr sz="1000"/>
+              <a:defRPr sz="900"/>
             </a:lvl4pPr>
             <a:lvl5pPr marL="1828800" indent="0">
               <a:buNone/>
-              <a:defRPr sz="1000"/>
+              <a:defRPr sz="900"/>
             </a:lvl5pPr>
             <a:lvl6pPr marL="2286000" indent="0">
               <a:buNone/>
-              <a:defRPr sz="1000"/>
+              <a:defRPr sz="900"/>
             </a:lvl6pPr>
             <a:lvl7pPr marL="2743200" indent="0">
               <a:buNone/>
-              <a:defRPr sz="1000"/>
+              <a:defRPr sz="900"/>
             </a:lvl7pPr>
             <a:lvl8pPr marL="3200400" indent="0">
               <a:buNone/>
-              <a:defRPr sz="1000"/>
+              <a:defRPr sz="900"/>
             </a:lvl8pPr>
             <a:lvl9pPr marL="3657600" indent="0">
               <a:buNone/>
-              <a:defRPr sz="1000"/>
+              <a:defRPr sz="900"/>
             </a:lvl9pPr>
           </a:lstStyle>
           <a:p>
             <a:pPr lvl="0"/>
             <a:r>
-              <a:rPr lang="ru-RU"/>
-              <a:t>Образец текста</a:t>
+              <a:rPr lang="en-US" smtClean="0"/>
+              <a:t>Click to edit Master text styles</a:t>
             </a:r>
           </a:p>
         </p:txBody>
@@ -2374,11 +2512,12 @@
           <a:bodyPr/>
           <a:lstStyle/>
           <a:p>
-            <a:fld id="{1E257FCD-A35D-4333-91E0-6F5D2CEE6E9D}" type="datetimeFigureOut">
-              <a:rPr lang="ru-RU" smtClean="0"/>
-              <a:t>25.09.2021</a:t>
+            <a:fld id="{1D8BD707-D9CF-40AE-B4C6-C98DA3205C09}" type="datetimeFigureOut">
+              <a:rPr lang="en-US" smtClean="0"/>
+              <a:pPr/>
+              <a:t>3/16/2022</a:t>
             </a:fld>
-            <a:endParaRPr lang="ru-RU"/>
+            <a:endParaRPr lang="en-US"/>
           </a:p>
         </p:txBody>
       </p:sp>
@@ -2397,7 +2536,7 @@
           <a:bodyPr/>
           <a:lstStyle/>
           <a:p>
-            <a:endParaRPr lang="ru-RU"/>
+            <a:endParaRPr lang="en-US"/>
           </a:p>
         </p:txBody>
       </p:sp>
@@ -2416,20 +2555,16 @@
           <a:bodyPr/>
           <a:lstStyle/>
           <a:p>
-            <a:fld id="{CD3F01F9-367C-49FA-A203-14AC9F137298}" type="slidenum">
-              <a:rPr lang="ru-RU" smtClean="0"/>
+            <a:fld id="{B6F15528-21DE-4FAA-801E-634DDDAF4B2B}" type="slidenum">
+              <a:rPr lang="en-US" smtClean="0"/>
+              <a:pPr/>
               <a:t>‹#›</a:t>
             </a:fld>
-            <a:endParaRPr lang="ru-RU"/>
+            <a:endParaRPr lang="en-US"/>
           </a:p>
         </p:txBody>
       </p:sp>
     </p:spTree>
-    <p:extLst>
-      <p:ext uri="{BB962C8B-B14F-4D97-AF65-F5344CB8AC3E}">
-        <p14:creationId xmlns:p14="http://schemas.microsoft.com/office/powerpoint/2010/main" val="141761410"/>
-      </p:ext>
-    </p:extLst>
   </p:cSld>
   <p:clrMapOvr>
     <a:masterClrMapping/>
@@ -2471,8 +2606,8 @@
         </p:nvSpPr>
         <p:spPr>
           <a:xfrm>
-            <a:off x="668268" y="365127"/>
-            <a:ext cx="8383727" cy="1325563"/>
+            <a:off x="457200" y="274638"/>
+            <a:ext cx="8229600" cy="1143000"/>
           </a:xfrm>
           <a:prstGeom prst="rect">
             <a:avLst/>
@@ -2485,10 +2620,10 @@
           <a:lstStyle/>
           <a:p>
             <a:r>
-              <a:rPr lang="ru-RU"/>
-              <a:t>Образец заголовка</a:t>
-            </a:r>
-            <a:endParaRPr lang="en-US" dirty="0"/>
+              <a:rPr lang="en-US" smtClean="0"/>
+              <a:t>Click to edit Master title style</a:t>
+            </a:r>
+            <a:endParaRPr lang="en-US"/>
           </a:p>
         </p:txBody>
       </p:sp>
@@ -2504,8 +2639,8 @@
         </p:nvSpPr>
         <p:spPr>
           <a:xfrm>
-            <a:off x="668268" y="1825625"/>
-            <a:ext cx="8383727" cy="4351338"/>
+            <a:off x="457200" y="1600200"/>
+            <a:ext cx="8229600" cy="4525963"/>
           </a:xfrm>
           <a:prstGeom prst="rect">
             <a:avLst/>
@@ -2519,38 +2654,38 @@
           <a:p>
             <a:pPr lvl="0"/>
             <a:r>
-              <a:rPr lang="ru-RU"/>
-              <a:t>Образец текста</a:t>
+              <a:rPr lang="en-US" smtClean="0"/>
+              <a:t>Click to edit Master text styles</a:t>
             </a:r>
           </a:p>
           <a:p>
             <a:pPr lvl="1"/>
             <a:r>
-              <a:rPr lang="ru-RU"/>
-              <a:t>Второй уровень</a:t>
+              <a:rPr lang="en-US" smtClean="0"/>
+              <a:t>Second level</a:t>
             </a:r>
           </a:p>
           <a:p>
             <a:pPr lvl="2"/>
             <a:r>
-              <a:rPr lang="ru-RU"/>
-              <a:t>Третий уровень</a:t>
+              <a:rPr lang="en-US" smtClean="0"/>
+              <a:t>Third level</a:t>
             </a:r>
           </a:p>
           <a:p>
             <a:pPr lvl="3"/>
             <a:r>
-              <a:rPr lang="ru-RU"/>
-              <a:t>Четвертый уровень</a:t>
+              <a:rPr lang="en-US" smtClean="0"/>
+              <a:t>Fourth level</a:t>
             </a:r>
           </a:p>
           <a:p>
             <a:pPr lvl="4"/>
             <a:r>
-              <a:rPr lang="ru-RU"/>
-              <a:t>Пятый уровень</a:t>
-            </a:r>
-            <a:endParaRPr lang="en-US" dirty="0"/>
+              <a:rPr lang="en-US" smtClean="0"/>
+              <a:t>Fifth level</a:t>
+            </a:r>
+            <a:endParaRPr lang="en-US"/>
           </a:p>
         </p:txBody>
       </p:sp>
@@ -2566,8 +2701,8 @@
         </p:nvSpPr>
         <p:spPr>
           <a:xfrm>
-            <a:off x="668268" y="6356352"/>
-            <a:ext cx="2187059" cy="365125"/>
+            <a:off x="457200" y="6356350"/>
+            <a:ext cx="2133600" cy="365125"/>
           </a:xfrm>
           <a:prstGeom prst="rect">
             <a:avLst/>
@@ -2587,11 +2722,12 @@
             </a:lvl1pPr>
           </a:lstStyle>
           <a:p>
-            <a:fld id="{1E257FCD-A35D-4333-91E0-6F5D2CEE6E9D}" type="datetimeFigureOut">
-              <a:rPr lang="ru-RU" smtClean="0"/>
-              <a:t>25.09.2021</a:t>
+            <a:fld id="{1D8BD707-D9CF-40AE-B4C6-C98DA3205C09}" type="datetimeFigureOut">
+              <a:rPr lang="en-US" smtClean="0"/>
+              <a:pPr/>
+              <a:t>3/16/2022</a:t>
             </a:fld>
-            <a:endParaRPr lang="ru-RU"/>
+            <a:endParaRPr lang="en-US"/>
           </a:p>
         </p:txBody>
       </p:sp>
@@ -2607,8 +2743,8 @@
         </p:nvSpPr>
         <p:spPr>
           <a:xfrm>
-            <a:off x="3219837" y="6356352"/>
-            <a:ext cx="3280589" cy="365125"/>
+            <a:off x="3124200" y="6356350"/>
+            <a:ext cx="2895600" cy="365125"/>
           </a:xfrm>
           <a:prstGeom prst="rect">
             <a:avLst/>
@@ -2628,7 +2764,7 @@
             </a:lvl1pPr>
           </a:lstStyle>
           <a:p>
-            <a:endParaRPr lang="ru-RU"/>
+            <a:endParaRPr lang="en-US"/>
           </a:p>
         </p:txBody>
       </p:sp>
@@ -2644,8 +2780,8 @@
         </p:nvSpPr>
         <p:spPr>
           <a:xfrm>
-            <a:off x="6864936" y="6356352"/>
-            <a:ext cx="2187059" cy="365125"/>
+            <a:off x="6553200" y="6356350"/>
+            <a:ext cx="2133600" cy="365125"/>
           </a:xfrm>
           <a:prstGeom prst="rect">
             <a:avLst/>
@@ -2665,41 +2801,34 @@
             </a:lvl1pPr>
           </a:lstStyle>
           <a:p>
-            <a:fld id="{CD3F01F9-367C-49FA-A203-14AC9F137298}" type="slidenum">
-              <a:rPr lang="ru-RU" smtClean="0"/>
+            <a:fld id="{B6F15528-21DE-4FAA-801E-634DDDAF4B2B}" type="slidenum">
+              <a:rPr lang="en-US" smtClean="0"/>
+              <a:pPr/>
               <a:t>‹#›</a:t>
             </a:fld>
-            <a:endParaRPr lang="ru-RU"/>
+            <a:endParaRPr lang="en-US"/>
           </a:p>
         </p:txBody>
       </p:sp>
     </p:spTree>
-    <p:extLst>
-      <p:ext uri="{BB962C8B-B14F-4D97-AF65-F5344CB8AC3E}">
-        <p14:creationId xmlns:p14="http://schemas.microsoft.com/office/powerpoint/2010/main" val="2211997912"/>
-      </p:ext>
-    </p:extLst>
   </p:cSld>
   <p:clrMap bg1="lt1" tx1="dk1" bg2="lt2" tx2="dk2" accent1="accent1" accent2="accent2" accent3="accent3" accent4="accent4" accent5="accent5" accent6="accent6" hlink="hlink" folHlink="folHlink"/>
   <p:sldLayoutIdLst>
-    <p:sldLayoutId id="2147483661" r:id="rId1"/>
-    <p:sldLayoutId id="2147483662" r:id="rId2"/>
-    <p:sldLayoutId id="2147483663" r:id="rId3"/>
-    <p:sldLayoutId id="2147483664" r:id="rId4"/>
-    <p:sldLayoutId id="2147483665" r:id="rId5"/>
-    <p:sldLayoutId id="2147483666" r:id="rId6"/>
-    <p:sldLayoutId id="2147483667" r:id="rId7"/>
-    <p:sldLayoutId id="2147483668" r:id="rId8"/>
-    <p:sldLayoutId id="2147483669" r:id="rId9"/>
-    <p:sldLayoutId id="2147483670" r:id="rId10"/>
-    <p:sldLayoutId id="2147483671" r:id="rId11"/>
+    <p:sldLayoutId id="2147483649" r:id="rId1"/>
+    <p:sldLayoutId id="2147483650" r:id="rId2"/>
+    <p:sldLayoutId id="2147483651" r:id="rId3"/>
+    <p:sldLayoutId id="2147483652" r:id="rId4"/>
+    <p:sldLayoutId id="2147483653" r:id="rId5"/>
+    <p:sldLayoutId id="2147483654" r:id="rId6"/>
+    <p:sldLayoutId id="2147483655" r:id="rId7"/>
+    <p:sldLayoutId id="2147483656" r:id="rId8"/>
+    <p:sldLayoutId id="2147483657" r:id="rId9"/>
+    <p:sldLayoutId id="2147483658" r:id="rId10"/>
+    <p:sldLayoutId id="2147483659" r:id="rId11"/>
   </p:sldLayoutIdLst>
   <p:txStyles>
     <p:titleStyle>
-      <a:lvl1pPr algn="l" defTabSz="914400" rtl="0" eaLnBrk="1" latinLnBrk="0" hangingPunct="1">
-        <a:lnSpc>
-          <a:spcPct val="90000"/>
-        </a:lnSpc>
+      <a:lvl1pPr algn="ctr" defTabSz="914400" rtl="0" eaLnBrk="1" latinLnBrk="0" hangingPunct="1">
         <a:spcBef>
           <a:spcPct val="0"/>
         </a:spcBef>
@@ -2715,15 +2844,27 @@
       </a:lvl1pPr>
     </p:titleStyle>
     <p:bodyStyle>
-      <a:lvl1pPr marL="228600" indent="-228600" algn="l" defTabSz="914400" rtl="0" eaLnBrk="1" latinLnBrk="0" hangingPunct="1">
-        <a:lnSpc>
-          <a:spcPct val="90000"/>
-        </a:lnSpc>
+      <a:lvl1pPr marL="342900" indent="-342900" algn="l" defTabSz="914400" rtl="0" eaLnBrk="1" latinLnBrk="0" hangingPunct="1">
         <a:spcBef>
-          <a:spcPts val="1000"/>
+          <a:spcPct val="20000"/>
         </a:spcBef>
-        <a:buFont typeface="Arial" panose="020B0604020202020204" pitchFamily="34" charset="0"/>
+        <a:buFont typeface="Arial" pitchFamily="34" charset="0"/>
         <a:buChar char="•"/>
+        <a:defRPr sz="3200" kern="1200">
+          <a:solidFill>
+            <a:schemeClr val="tx1"/>
+          </a:solidFill>
+          <a:latin typeface="+mn-lt"/>
+          <a:ea typeface="+mn-ea"/>
+          <a:cs typeface="+mn-cs"/>
+        </a:defRPr>
+      </a:lvl1pPr>
+      <a:lvl2pPr marL="742950" indent="-285750" algn="l" defTabSz="914400" rtl="0" eaLnBrk="1" latinLnBrk="0" hangingPunct="1">
+        <a:spcBef>
+          <a:spcPct val="20000"/>
+        </a:spcBef>
+        <a:buFont typeface="Arial" pitchFamily="34" charset="0"/>
+        <a:buChar char="–"/>
         <a:defRPr sz="2800" kern="1200">
           <a:solidFill>
             <a:schemeClr val="tx1"/>
@@ -2732,15 +2873,12 @@
           <a:ea typeface="+mn-ea"/>
           <a:cs typeface="+mn-cs"/>
         </a:defRPr>
-      </a:lvl1pPr>
-      <a:lvl2pPr marL="685800" indent="-228600" algn="l" defTabSz="914400" rtl="0" eaLnBrk="1" latinLnBrk="0" hangingPunct="1">
-        <a:lnSpc>
-          <a:spcPct val="90000"/>
-        </a:lnSpc>
+      </a:lvl2pPr>
+      <a:lvl3pPr marL="1143000" indent="-228600" algn="l" defTabSz="914400" rtl="0" eaLnBrk="1" latinLnBrk="0" hangingPunct="1">
         <a:spcBef>
-          <a:spcPts val="500"/>
+          <a:spcPct val="20000"/>
         </a:spcBef>
-        <a:buFont typeface="Arial" panose="020B0604020202020204" pitchFamily="34" charset="0"/>
+        <a:buFont typeface="Arial" pitchFamily="34" charset="0"/>
         <a:buChar char="•"/>
         <a:defRPr sz="2400" kern="1200">
           <a:solidFill>
@@ -2750,15 +2888,42 @@
           <a:ea typeface="+mn-ea"/>
           <a:cs typeface="+mn-cs"/>
         </a:defRPr>
-      </a:lvl2pPr>
-      <a:lvl3pPr marL="1143000" indent="-228600" algn="l" defTabSz="914400" rtl="0" eaLnBrk="1" latinLnBrk="0" hangingPunct="1">
-        <a:lnSpc>
-          <a:spcPct val="90000"/>
-        </a:lnSpc>
+      </a:lvl3pPr>
+      <a:lvl4pPr marL="1600200" indent="-228600" algn="l" defTabSz="914400" rtl="0" eaLnBrk="1" latinLnBrk="0" hangingPunct="1">
         <a:spcBef>
-          <a:spcPts val="500"/>
+          <a:spcPct val="20000"/>
         </a:spcBef>
-        <a:buFont typeface="Arial" panose="020B0604020202020204" pitchFamily="34" charset="0"/>
+        <a:buFont typeface="Arial" pitchFamily="34" charset="0"/>
+        <a:buChar char="–"/>
+        <a:defRPr sz="2000" kern="1200">
+          <a:solidFill>
+            <a:schemeClr val="tx1"/>
+          </a:solidFill>
+          <a:latin typeface="+mn-lt"/>
+          <a:ea typeface="+mn-ea"/>
+          <a:cs typeface="+mn-cs"/>
+        </a:defRPr>
+      </a:lvl4pPr>
+      <a:lvl5pPr marL="2057400" indent="-228600" algn="l" defTabSz="914400" rtl="0" eaLnBrk="1" latinLnBrk="0" hangingPunct="1">
+        <a:spcBef>
+          <a:spcPct val="20000"/>
+        </a:spcBef>
+        <a:buFont typeface="Arial" pitchFamily="34" charset="0"/>
+        <a:buChar char="»"/>
+        <a:defRPr sz="2000" kern="1200">
+          <a:solidFill>
+            <a:schemeClr val="tx1"/>
+          </a:solidFill>
+          <a:latin typeface="+mn-lt"/>
+          <a:ea typeface="+mn-ea"/>
+          <a:cs typeface="+mn-cs"/>
+        </a:defRPr>
+      </a:lvl5pPr>
+      <a:lvl6pPr marL="2514600" indent="-228600" algn="l" defTabSz="914400" rtl="0" eaLnBrk="1" latinLnBrk="0" hangingPunct="1">
+        <a:spcBef>
+          <a:spcPct val="20000"/>
+        </a:spcBef>
+        <a:buFont typeface="Arial" pitchFamily="34" charset="0"/>
         <a:buChar char="•"/>
         <a:defRPr sz="2000" kern="1200">
           <a:solidFill>
@@ -2768,71 +2933,14 @@
           <a:ea typeface="+mn-ea"/>
           <a:cs typeface="+mn-cs"/>
         </a:defRPr>
-      </a:lvl3pPr>
-      <a:lvl4pPr marL="1600200" indent="-228600" algn="l" defTabSz="914400" rtl="0" eaLnBrk="1" latinLnBrk="0" hangingPunct="1">
-        <a:lnSpc>
-          <a:spcPct val="90000"/>
-        </a:lnSpc>
-        <a:spcBef>
-          <a:spcPts val="500"/>
-        </a:spcBef>
-        <a:buFont typeface="Arial" panose="020B0604020202020204" pitchFamily="34" charset="0"/>
-        <a:buChar char="•"/>
-        <a:defRPr sz="1800" kern="1200">
-          <a:solidFill>
-            <a:schemeClr val="tx1"/>
-          </a:solidFill>
-          <a:latin typeface="+mn-lt"/>
-          <a:ea typeface="+mn-ea"/>
-          <a:cs typeface="+mn-cs"/>
-        </a:defRPr>
-      </a:lvl4pPr>
-      <a:lvl5pPr marL="2057400" indent="-228600" algn="l" defTabSz="914400" rtl="0" eaLnBrk="1" latinLnBrk="0" hangingPunct="1">
-        <a:lnSpc>
-          <a:spcPct val="90000"/>
-        </a:lnSpc>
-        <a:spcBef>
-          <a:spcPts val="500"/>
-        </a:spcBef>
-        <a:buFont typeface="Arial" panose="020B0604020202020204" pitchFamily="34" charset="0"/>
-        <a:buChar char="•"/>
-        <a:defRPr sz="1800" kern="1200">
-          <a:solidFill>
-            <a:schemeClr val="tx1"/>
-          </a:solidFill>
-          <a:latin typeface="+mn-lt"/>
-          <a:ea typeface="+mn-ea"/>
-          <a:cs typeface="+mn-cs"/>
-        </a:defRPr>
-      </a:lvl5pPr>
-      <a:lvl6pPr marL="2514600" indent="-228600" algn="l" defTabSz="914400" rtl="0" eaLnBrk="1" latinLnBrk="0" hangingPunct="1">
-        <a:lnSpc>
-          <a:spcPct val="90000"/>
-        </a:lnSpc>
-        <a:spcBef>
-          <a:spcPts val="500"/>
-        </a:spcBef>
-        <a:buFont typeface="Arial" panose="020B0604020202020204" pitchFamily="34" charset="0"/>
-        <a:buChar char="•"/>
-        <a:defRPr sz="1800" kern="1200">
-          <a:solidFill>
-            <a:schemeClr val="tx1"/>
-          </a:solidFill>
-          <a:latin typeface="+mn-lt"/>
-          <a:ea typeface="+mn-ea"/>
-          <a:cs typeface="+mn-cs"/>
-        </a:defRPr>
       </a:lvl6pPr>
       <a:lvl7pPr marL="2971800" indent="-228600" algn="l" defTabSz="914400" rtl="0" eaLnBrk="1" latinLnBrk="0" hangingPunct="1">
-        <a:lnSpc>
-          <a:spcPct val="90000"/>
-        </a:lnSpc>
         <a:spcBef>
-          <a:spcPts val="500"/>
+          <a:spcPct val="20000"/>
         </a:spcBef>
-        <a:buFont typeface="Arial" panose="020B0604020202020204" pitchFamily="34" charset="0"/>
+        <a:buFont typeface="Arial" pitchFamily="34" charset="0"/>
         <a:buChar char="•"/>
-        <a:defRPr sz="1800" kern="1200">
+        <a:defRPr sz="2000" kern="1200">
           <a:solidFill>
             <a:schemeClr val="tx1"/>
           </a:solidFill>
@@ -2842,15 +2950,12 @@
         </a:defRPr>
       </a:lvl7pPr>
       <a:lvl8pPr marL="3429000" indent="-228600" algn="l" defTabSz="914400" rtl="0" eaLnBrk="1" latinLnBrk="0" hangingPunct="1">
-        <a:lnSpc>
-          <a:spcPct val="90000"/>
-        </a:lnSpc>
         <a:spcBef>
-          <a:spcPts val="500"/>
+          <a:spcPct val="20000"/>
         </a:spcBef>
-        <a:buFont typeface="Arial" panose="020B0604020202020204" pitchFamily="34" charset="0"/>
+        <a:buFont typeface="Arial" pitchFamily="34" charset="0"/>
         <a:buChar char="•"/>
-        <a:defRPr sz="1800" kern="1200">
+        <a:defRPr sz="2000" kern="1200">
           <a:solidFill>
             <a:schemeClr val="tx1"/>
           </a:solidFill>
@@ -2860,15 +2965,12 @@
         </a:defRPr>
       </a:lvl8pPr>
       <a:lvl9pPr marL="3886200" indent="-228600" algn="l" defTabSz="914400" rtl="0" eaLnBrk="1" latinLnBrk="0" hangingPunct="1">
-        <a:lnSpc>
-          <a:spcPct val="90000"/>
-        </a:lnSpc>
         <a:spcBef>
-          <a:spcPts val="500"/>
+          <a:spcPct val="20000"/>
         </a:spcBef>
-        <a:buFont typeface="Arial" panose="020B0604020202020204" pitchFamily="34" charset="0"/>
+        <a:buFont typeface="Arial" pitchFamily="34" charset="0"/>
         <a:buChar char="•"/>
-        <a:defRPr sz="1800" kern="1200">
+        <a:defRPr sz="2000" kern="1200">
           <a:solidFill>
             <a:schemeClr val="tx1"/>
           </a:solidFill>
@@ -2996,50 +3098,449 @@
       </p:grpSpPr>
       <p:pic>
         <p:nvPicPr>
-          <p:cNvPr id="5" name="Рисунок 4">
-            <a:extLst>
-              <a:ext uri="{FF2B5EF4-FFF2-40B4-BE49-F238E27FC236}">
-                <a16:creationId xmlns:a16="http://schemas.microsoft.com/office/drawing/2014/main" id="{2B170142-6C77-4EE3-BE6B-CD570CFB7FA1}"/>
-              </a:ext>
-            </a:extLst>
-          </p:cNvPr>
+          <p:cNvPr id="2" name="Picture 2"/>
           <p:cNvPicPr>
             <a:picLocks noChangeAspect="1"/>
           </p:cNvPicPr>
           <p:nvPr/>
         </p:nvPicPr>
         <p:blipFill>
-          <a:blip r:embed="rId2"/>
+          <a:blip r:embed="rId2">
+            <a:extLst>
+              <a:ext uri="{28A0092B-C50C-407E-A947-70E740481C1C}">
+                <a14:useLocalDpi xmlns:a14="http://schemas.microsoft.com/office/drawing/2010/main" val="0"/>
+              </a:ext>
+              <a:ext uri="{96DAC541-7B7A-43D3-8B79-37D633B846F1}">
+                <asvg:svgBlip xmlns="" xmlns:asvg="http://schemas.microsoft.com/office/drawing/2016/SVG/main" r:embed="rId3"/>
+              </a:ext>
+            </a:extLst>
+          </a:blip>
+          <a:srcRect/>
+          <a:stretch>
+            <a:fillRect/>
+          </a:stretch>
+        </p:blipFill>
+        <p:spPr>
+          <a:xfrm rot="-10800000">
+            <a:off x="-574990" y="-1097013"/>
+            <a:ext cx="8757031" cy="2044539"/>
+          </a:xfrm>
+          <a:prstGeom prst="rect">
+            <a:avLst/>
+          </a:prstGeom>
+        </p:spPr>
+      </p:pic>
+      <p:pic>
+        <p:nvPicPr>
+          <p:cNvPr id="3" name="Picture 3"/>
+          <p:cNvPicPr>
+            <a:picLocks noChangeAspect="1"/>
+          </p:cNvPicPr>
+          <p:nvPr/>
+        </p:nvPicPr>
+        <p:blipFill>
+          <a:blip r:embed="rId4">
+            <a:alphaModFix amt="50000"/>
+            <a:extLst>
+              <a:ext uri="{28A0092B-C50C-407E-A947-70E740481C1C}">
+                <a14:useLocalDpi xmlns:a14="http://schemas.microsoft.com/office/drawing/2010/main" val="0"/>
+              </a:ext>
+              <a:ext uri="{96DAC541-7B7A-43D3-8B79-37D633B846F1}">
+                <asvg:svgBlip xmlns="" xmlns:asvg="http://schemas.microsoft.com/office/drawing/2016/SVG/main" r:embed="rId5"/>
+              </a:ext>
+            </a:extLst>
+          </a:blip>
+          <a:srcRect/>
+          <a:stretch>
+            <a:fillRect/>
+          </a:stretch>
+        </p:blipFill>
+        <p:spPr>
+          <a:xfrm rot="-10800000">
+            <a:off x="-658269" y="-1206316"/>
+            <a:ext cx="8919533" cy="2054499"/>
+          </a:xfrm>
+          <a:prstGeom prst="rect">
+            <a:avLst/>
+          </a:prstGeom>
+        </p:spPr>
+      </p:pic>
+      <p:grpSp>
+        <p:nvGrpSpPr>
+          <p:cNvPr id="4" name="Group 4"/>
+          <p:cNvGrpSpPr/>
+          <p:nvPr/>
+        </p:nvGrpSpPr>
+        <p:grpSpPr>
+          <a:xfrm>
+            <a:off x="1467270" y="1449278"/>
+            <a:ext cx="4685460" cy="1765137"/>
+            <a:chOff x="0" y="-50739"/>
+            <a:chExt cx="6247279" cy="2353516"/>
+          </a:xfrm>
+        </p:grpSpPr>
+        <p:sp>
+          <p:nvSpPr>
+            <p:cNvPr id="5" name="TextBox 5"/>
+            <p:cNvSpPr txBox="1"/>
+            <p:nvPr/>
+          </p:nvSpPr>
+          <p:spPr>
+            <a:xfrm>
+              <a:off x="0" y="-50739"/>
+              <a:ext cx="6247279" cy="495863"/>
+            </a:xfrm>
+            <a:prstGeom prst="rect">
+              <a:avLst/>
+            </a:prstGeom>
+          </p:spPr>
+          <p:txBody>
+            <a:bodyPr lIns="0" tIns="0" rIns="0" bIns="0" rtlCol="0" anchor="t">
+              <a:spAutoFit/>
+            </a:bodyPr>
+            <a:lstStyle/>
+            <a:p>
+              <a:pPr algn="ctr">
+                <a:lnSpc>
+                  <a:spcPts val="2853"/>
+                </a:lnSpc>
+              </a:pPr>
+              <a:r>
+                <a:rPr lang="en-US" sz="2038" spc="101" dirty="0">
+                  <a:solidFill>
+                    <a:schemeClr val="tx2">
+                      <a:lumMod val="75000"/>
+                    </a:schemeClr>
+                  </a:solidFill>
+                  <a:latin typeface="Podkova SemiBold Bold"/>
+                </a:rPr>
+                <a:t>СЕРТИФИКАТ</a:t>
+              </a:r>
+            </a:p>
+          </p:txBody>
+        </p:sp>
+        <p:sp>
+          <p:nvSpPr>
+            <p:cNvPr id="6" name="TextBox 6"/>
+            <p:cNvSpPr txBox="1"/>
+            <p:nvPr/>
+          </p:nvSpPr>
+          <p:spPr>
+            <a:xfrm>
+              <a:off x="0" y="1142523"/>
+              <a:ext cx="6247279" cy="672353"/>
+            </a:xfrm>
+            <a:prstGeom prst="rect">
+              <a:avLst/>
+            </a:prstGeom>
+          </p:spPr>
+          <p:txBody>
+            <a:bodyPr lIns="0" tIns="0" rIns="0" bIns="0" rtlCol="0" anchor="t">
+              <a:spAutoFit/>
+            </a:bodyPr>
+            <a:lstStyle/>
+            <a:p>
+              <a:pPr algn="ctr">
+                <a:lnSpc>
+                  <a:spcPts val="3970"/>
+                </a:lnSpc>
+              </a:pPr>
+              <a:endParaRPr lang="en-US" sz="3308" dirty="0">
+                <a:solidFill>
+                  <a:srgbClr val="364D65"/>
+                </a:solidFill>
+                <a:latin typeface="Podkova SemiBold Bold"/>
+              </a:endParaRPr>
+            </a:p>
+          </p:txBody>
+        </p:sp>
+        <p:sp>
+          <p:nvSpPr>
+            <p:cNvPr id="7" name="TextBox 7"/>
+            <p:cNvSpPr txBox="1"/>
+            <p:nvPr/>
+          </p:nvSpPr>
+          <p:spPr>
+            <a:xfrm>
+              <a:off x="819596" y="722278"/>
+              <a:ext cx="4608087" cy="256814"/>
+            </a:xfrm>
+            <a:prstGeom prst="rect">
+              <a:avLst/>
+            </a:prstGeom>
+          </p:spPr>
+          <p:txBody>
+            <a:bodyPr lIns="0" tIns="0" rIns="0" bIns="0" rtlCol="0" anchor="t">
+              <a:spAutoFit/>
+            </a:bodyPr>
+            <a:lstStyle/>
+            <a:p>
+              <a:pPr algn="ctr">
+                <a:lnSpc>
+                  <a:spcPts val="1721"/>
+                </a:lnSpc>
+              </a:pPr>
+              <a:r>
+                <a:rPr lang="en-US" sz="1229" spc="49">
+                  <a:solidFill>
+                    <a:srgbClr val="364D65"/>
+                  </a:solidFill>
+                  <a:latin typeface="Open Sans Light"/>
+                </a:rPr>
+                <a:t>Вручается</a:t>
+              </a:r>
+            </a:p>
+          </p:txBody>
+        </p:sp>
+        <p:sp>
+          <p:nvSpPr>
+            <p:cNvPr id="8" name="TextBox 8"/>
+            <p:cNvSpPr txBox="1"/>
+            <p:nvPr/>
+          </p:nvSpPr>
+          <p:spPr>
+            <a:xfrm>
+              <a:off x="817096" y="2003928"/>
+              <a:ext cx="4613088" cy="298849"/>
+            </a:xfrm>
+            <a:prstGeom prst="rect">
+              <a:avLst/>
+            </a:prstGeom>
+          </p:spPr>
+          <p:txBody>
+            <a:bodyPr lIns="0" tIns="0" rIns="0" bIns="0" rtlCol="0" anchor="t">
+              <a:spAutoFit/>
+            </a:bodyPr>
+            <a:lstStyle/>
+            <a:p>
+              <a:pPr algn="ctr">
+                <a:lnSpc>
+                  <a:spcPts val="1821"/>
+                </a:lnSpc>
+              </a:pPr>
+              <a:r>
+                <a:rPr lang="en-US" sz="1300" spc="39">
+                  <a:solidFill>
+                    <a:srgbClr val="364D65"/>
+                  </a:solidFill>
+                  <a:latin typeface="Open Sans Light"/>
+                </a:rPr>
+                <a:t>За ознакомление с проектом Botificator</a:t>
+              </a:r>
+            </a:p>
+          </p:txBody>
+        </p:sp>
+      </p:grpSp>
+      <p:grpSp>
+        <p:nvGrpSpPr>
+          <p:cNvPr id="9" name="Group 9"/>
+          <p:cNvGrpSpPr/>
+          <p:nvPr/>
+        </p:nvGrpSpPr>
+        <p:grpSpPr>
+          <a:xfrm>
+            <a:off x="2778961" y="4095253"/>
+            <a:ext cx="2045074" cy="465837"/>
+            <a:chOff x="0" y="0"/>
+            <a:chExt cx="2726765" cy="621116"/>
+          </a:xfrm>
+        </p:grpSpPr>
+        <p:sp>
+          <p:nvSpPr>
+            <p:cNvPr id="10" name="TextBox 10"/>
+            <p:cNvSpPr txBox="1"/>
+            <p:nvPr/>
+          </p:nvSpPr>
+          <p:spPr>
+            <a:xfrm>
+              <a:off x="149412" y="134108"/>
+              <a:ext cx="2427941" cy="213709"/>
+            </a:xfrm>
+            <a:prstGeom prst="rect">
+              <a:avLst/>
+            </a:prstGeom>
+          </p:spPr>
+          <p:txBody>
+            <a:bodyPr lIns="0" tIns="0" rIns="0" bIns="0" rtlCol="0" anchor="t">
+              <a:spAutoFit/>
+            </a:bodyPr>
+            <a:lstStyle/>
+            <a:p>
+              <a:pPr algn="ctr">
+                <a:lnSpc>
+                  <a:spcPts val="1261"/>
+                </a:lnSpc>
+              </a:pPr>
+              <a:r>
+                <a:rPr lang="en-US" sz="1008" spc="95" dirty="0" smtClean="0">
+                  <a:solidFill>
+                    <a:srgbClr val="364D65"/>
+                  </a:solidFill>
+                  <a:latin typeface="Podkova SemiBold Bold"/>
+                </a:rPr>
+                <a:t>Глухов Андрей</a:t>
+              </a:r>
+              <a:endParaRPr lang="en-US" sz="1008" spc="95" dirty="0">
+                <a:solidFill>
+                  <a:srgbClr val="364D65"/>
+                </a:solidFill>
+                <a:latin typeface="Podkova SemiBold Bold"/>
+              </a:endParaRPr>
+            </a:p>
+          </p:txBody>
+        </p:sp>
+        <p:sp>
+          <p:nvSpPr>
+            <p:cNvPr id="11" name="TextBox 11"/>
+            <p:cNvSpPr txBox="1"/>
+            <p:nvPr/>
+          </p:nvSpPr>
+          <p:spPr>
+            <a:xfrm>
+              <a:off x="149412" y="428748"/>
+              <a:ext cx="2427941" cy="190500"/>
+            </a:xfrm>
+            <a:prstGeom prst="rect">
+              <a:avLst/>
+            </a:prstGeom>
+          </p:spPr>
+          <p:txBody>
+            <a:bodyPr lIns="0" tIns="0" rIns="0" bIns="0" rtlCol="0" anchor="t">
+              <a:spAutoFit/>
+            </a:bodyPr>
+            <a:lstStyle/>
+            <a:p>
+              <a:pPr algn="ctr">
+                <a:lnSpc>
+                  <a:spcPts val="1166"/>
+                </a:lnSpc>
+              </a:pPr>
+              <a:r>
+                <a:rPr lang="en-US" sz="972" spc="48">
+                  <a:solidFill>
+                    <a:srgbClr val="364D65"/>
+                  </a:solidFill>
+                  <a:latin typeface="Open Sans Light Bold"/>
+                </a:rPr>
+                <a:t>Руководитель проекта</a:t>
+              </a:r>
+            </a:p>
+          </p:txBody>
+        </p:sp>
+        <p:pic>
+          <p:nvPicPr>
+            <p:cNvPr id="12" name="Picture 12"/>
+            <p:cNvPicPr>
+              <a:picLocks noChangeAspect="1"/>
+            </p:cNvPicPr>
+            <p:nvPr/>
+          </p:nvPicPr>
+          <p:blipFill>
+            <a:blip r:embed="rId6">
+              <a:extLst>
+                <a:ext uri="{28A0092B-C50C-407E-A947-70E740481C1C}">
+                  <a14:useLocalDpi xmlns:a14="http://schemas.microsoft.com/office/drawing/2010/main" val="0"/>
+                </a:ext>
+                <a:ext uri="{96DAC541-7B7A-43D3-8B79-37D633B846F1}">
+                  <asvg:svgBlip xmlns="" xmlns:asvg="http://schemas.microsoft.com/office/drawing/2016/SVG/main" r:embed="rId7"/>
+                </a:ext>
+              </a:extLst>
+            </a:blip>
+            <a:srcRect l="32820" r="32820"/>
+            <a:stretch>
+              <a:fillRect/>
+            </a:stretch>
+          </p:blipFill>
+          <p:spPr>
+            <a:xfrm>
+              <a:off x="0" y="0"/>
+              <a:ext cx="2726765" cy="49912"/>
+            </a:xfrm>
+            <a:prstGeom prst="rect">
+              <a:avLst/>
+            </a:prstGeom>
+          </p:spPr>
+        </p:pic>
+      </p:grpSp>
+      <p:pic>
+        <p:nvPicPr>
+          <p:cNvPr id="13" name="Picture 13"/>
+          <p:cNvPicPr>
+            <a:picLocks noChangeAspect="1"/>
+          </p:cNvPicPr>
+          <p:nvPr/>
+        </p:nvPicPr>
+        <p:blipFill>
+          <a:blip r:embed="rId2">
+            <a:extLst>
+              <a:ext uri="{28A0092B-C50C-407E-A947-70E740481C1C}">
+                <a14:useLocalDpi xmlns:a14="http://schemas.microsoft.com/office/drawing/2010/main" val="0"/>
+              </a:ext>
+              <a:ext uri="{96DAC541-7B7A-43D3-8B79-37D633B846F1}">
+                <asvg:svgBlip xmlns="" xmlns:asvg="http://schemas.microsoft.com/office/drawing/2016/SVG/main" r:embed="rId3"/>
+              </a:ext>
+            </a:extLst>
+          </a:blip>
+          <a:srcRect/>
           <a:stretch>
             <a:fillRect/>
           </a:stretch>
         </p:blipFill>
         <p:spPr>
           <a:xfrm>
-            <a:off x="0" y="0"/>
-            <a:ext cx="9720263" cy="6858000"/>
+            <a:off x="-577018" y="4828632"/>
+            <a:ext cx="8757031" cy="2044539"/>
           </a:xfrm>
           <a:prstGeom prst="rect">
             <a:avLst/>
           </a:prstGeom>
         </p:spPr>
       </p:pic>
-      <p:sp>
-        <p:nvSpPr>
-          <p:cNvPr id="6" name="TextBox 5">
+      <p:pic>
+        <p:nvPicPr>
+          <p:cNvPr id="14" name="Picture 14"/>
+          <p:cNvPicPr>
+            <a:picLocks noChangeAspect="1"/>
+          </p:cNvPicPr>
+          <p:nvPr/>
+        </p:nvPicPr>
+        <p:blipFill>
+          <a:blip r:embed="rId4">
+            <a:alphaModFix amt="50000"/>
             <a:extLst>
-              <a:ext uri="{FF2B5EF4-FFF2-40B4-BE49-F238E27FC236}">
-                <a16:creationId xmlns:a16="http://schemas.microsoft.com/office/drawing/2014/main" id="{790E5C34-A553-41A5-8ACE-C8501F433D18}"/>
+              <a:ext uri="{28A0092B-C50C-407E-A947-70E740481C1C}">
+                <a14:useLocalDpi xmlns:a14="http://schemas.microsoft.com/office/drawing/2010/main" val="0"/>
+              </a:ext>
+              <a:ext uri="{96DAC541-7B7A-43D3-8B79-37D633B846F1}">
+                <asvg:svgBlip xmlns="" xmlns:asvg="http://schemas.microsoft.com/office/drawing/2016/SVG/main" r:embed="rId5"/>
               </a:ext>
             </a:extLst>
-          </p:cNvPr>
+          </a:blip>
+          <a:srcRect/>
+          <a:stretch>
+            <a:fillRect/>
+          </a:stretch>
+        </p:blipFill>
+        <p:spPr>
+          <a:xfrm>
+            <a:off x="-656241" y="4948795"/>
+            <a:ext cx="8919533" cy="2054499"/>
+          </a:xfrm>
+          <a:prstGeom prst="rect">
+            <a:avLst/>
+          </a:prstGeom>
+        </p:spPr>
+      </p:pic>
+      <p:sp>
+        <p:nvSpPr>
+          <p:cNvPr id="15" name="TextBox 14"/>
           <p:cNvSpPr txBox="1"/>
           <p:nvPr/>
         </p:nvSpPr>
         <p:spPr>
           <a:xfrm>
-            <a:off x="1028359" y="2199764"/>
-            <a:ext cx="7663543" cy="646331"/>
+            <a:off x="1467270" y="2317492"/>
+            <a:ext cx="4685460" cy="400110"/>
           </a:xfrm>
           <a:prstGeom prst="rect">
             <a:avLst/>
@@ -3047,113 +3548,33 @@
           <a:noFill/>
         </p:spPr>
         <p:txBody>
-          <a:bodyPr wrap="square" lIns="0" rIns="0" rtlCol="0">
-            <a:noAutofit/>
-          </a:bodyPr>
-          <a:lstStyle/>
-          <a:p>
-            <a:pPr algn="ctr"/>
-            <a:r>
-              <a:rPr lang="en-US" sz="2800" spc="-10" dirty="0">
-                <a:solidFill>
-                  <a:srgbClr val="EC9761"/>
-                </a:solidFill>
-                <a:latin typeface="Sofia Med" panose="01000000000000000000" pitchFamily="2" charset="0"/>
-              </a:rPr>
-              <a:t>Name</a:t>
-            </a:r>
-          </a:p>
-        </p:txBody>
-      </p:sp>
-      <p:sp>
-        <p:nvSpPr>
-          <p:cNvPr id="7" name="TextBox 6">
-            <a:extLst>
-              <a:ext uri="{FF2B5EF4-FFF2-40B4-BE49-F238E27FC236}">
-                <a16:creationId xmlns:a16="http://schemas.microsoft.com/office/drawing/2014/main" id="{A39D12A7-F3CD-4522-98D2-0AA030AE52D0}"/>
-              </a:ext>
-            </a:extLst>
-          </p:cNvPr>
-          <p:cNvSpPr txBox="1"/>
-          <p:nvPr/>
-        </p:nvSpPr>
-        <p:spPr>
-          <a:xfrm>
-            <a:off x="90615" y="6609398"/>
-            <a:ext cx="1622855" cy="246221"/>
-          </a:xfrm>
-          <a:prstGeom prst="rect">
-            <a:avLst/>
-          </a:prstGeom>
-          <a:noFill/>
-        </p:spPr>
-        <p:txBody>
-          <a:bodyPr wrap="square" lIns="0" rIns="0" rtlCol="0">
-            <a:spAutoFit/>
-          </a:bodyPr>
-          <a:lstStyle/>
-          <a:p>
-            <a:r>
-              <a:rPr lang="ru-RU" sz="1000" spc="-10" dirty="0">
-                <a:latin typeface="Sofia" panose="01000000000000000000" pitchFamily="2" charset="0"/>
-              </a:rPr>
-              <a:t>Уникальный идентификатор</a:t>
-            </a:r>
-            <a:r>
-              <a:rPr lang="en-US" sz="1000" spc="-10" dirty="0">
-                <a:latin typeface="Sofia" panose="01000000000000000000" pitchFamily="2" charset="0"/>
-              </a:rPr>
-              <a:t>:</a:t>
-            </a:r>
-          </a:p>
-        </p:txBody>
-      </p:sp>
-      <p:sp>
-        <p:nvSpPr>
-          <p:cNvPr id="8" name="TextBox 7">
-            <a:extLst>
-              <a:ext uri="{FF2B5EF4-FFF2-40B4-BE49-F238E27FC236}">
-                <a16:creationId xmlns:a16="http://schemas.microsoft.com/office/drawing/2014/main" id="{5E9302A9-9CD4-4396-BD8A-5462E629ABC0}"/>
-              </a:ext>
-            </a:extLst>
-          </p:cNvPr>
-          <p:cNvSpPr txBox="1"/>
-          <p:nvPr/>
-        </p:nvSpPr>
-        <p:spPr>
-          <a:xfrm>
-            <a:off x="1639328" y="6628732"/>
-            <a:ext cx="2603158" cy="215444"/>
-          </a:xfrm>
-          <a:prstGeom prst="rect">
-            <a:avLst/>
-          </a:prstGeom>
-          <a:noFill/>
-        </p:spPr>
-        <p:txBody>
           <a:bodyPr wrap="square" rtlCol="0">
             <a:spAutoFit/>
           </a:bodyPr>
           <a:lstStyle/>
           <a:p>
-            <a:r>
-              <a:rPr lang="en-US" sz="800" spc="-10" dirty="0" err="1">
-                <a:latin typeface="Sofia" panose="01000000000000000000" pitchFamily="2" charset="0"/>
+            <a:pPr algn="ctr"/>
+            <a:r>
+              <a:rPr lang="en-US" sz="2000" dirty="0" smtClean="0">
+                <a:solidFill>
+                  <a:schemeClr val="tx2">
+                    <a:lumMod val="75000"/>
+                  </a:schemeClr>
+                </a:solidFill>
               </a:rPr>
-              <a:t>DocumentID</a:t>
-            </a:r>
-            <a:endParaRPr lang="en-US" sz="800" spc="-10" dirty="0">
-              <a:latin typeface="Sofia" panose="01000000000000000000" pitchFamily="2" charset="0"/>
+              <a:t>Name</a:t>
+            </a:r>
+            <a:endParaRPr lang="ru-RU" dirty="0">
+              <a:solidFill>
+                <a:schemeClr val="tx2">
+                  <a:lumMod val="75000"/>
+                </a:schemeClr>
+              </a:solidFill>
             </a:endParaRPr>
           </a:p>
         </p:txBody>
       </p:sp>
     </p:spTree>
-    <p:extLst>
-      <p:ext uri="{BB962C8B-B14F-4D97-AF65-F5344CB8AC3E}">
-        <p14:creationId xmlns:p14="http://schemas.microsoft.com/office/powerpoint/2010/main" val="3210232531"/>
-      </p:ext>
-    </p:extLst>
   </p:cSld>
   <p:clrMapOvr>
     <a:masterClrMapping/>
@@ -3162,9 +3583,9 @@
 </file>
 
 <file path=ppt/theme/theme1.xml><?xml version="1.0" encoding="utf-8"?>
-<a:theme xmlns:a="http://schemas.openxmlformats.org/drawingml/2006/main" name="Тема Office">
+<a:theme xmlns:a="http://schemas.openxmlformats.org/drawingml/2006/main" name="Office Theme">
   <a:themeElements>
-    <a:clrScheme name="Тема Office">
+    <a:clrScheme name="Office">
       <a:dk1>
         <a:sysClr val="windowText" lastClr="000000"/>
       </a:dk1>
@@ -3172,44 +3593,44 @@
         <a:sysClr val="window" lastClr="FFFFFF"/>
       </a:lt1>
       <a:dk2>
-        <a:srgbClr val="44546A"/>
+        <a:srgbClr val="1F497D"/>
       </a:dk2>
       <a:lt2>
-        <a:srgbClr val="E7E6E6"/>
+        <a:srgbClr val="EEECE1"/>
       </a:lt2>
       <a:accent1>
-        <a:srgbClr val="4472C4"/>
+        <a:srgbClr val="4F81BD"/>
       </a:accent1>
       <a:accent2>
-        <a:srgbClr val="ED7D31"/>
+        <a:srgbClr val="C0504D"/>
       </a:accent2>
       <a:accent3>
-        <a:srgbClr val="A5A5A5"/>
+        <a:srgbClr val="9BBB59"/>
       </a:accent3>
       <a:accent4>
-        <a:srgbClr val="FFC000"/>
+        <a:srgbClr val="8064A2"/>
       </a:accent4>
       <a:accent5>
-        <a:srgbClr val="5B9BD5"/>
+        <a:srgbClr val="4BACC6"/>
       </a:accent5>
       <a:accent6>
-        <a:srgbClr val="70AD47"/>
+        <a:srgbClr val="F79646"/>
       </a:accent6>
       <a:hlink>
-        <a:srgbClr val="0563C1"/>
+        <a:srgbClr val="0000FF"/>
       </a:hlink>
       <a:folHlink>
-        <a:srgbClr val="954F72"/>
+        <a:srgbClr val="800080"/>
       </a:folHlink>
     </a:clrScheme>
-    <a:fontScheme name="Тема Office">
+    <a:fontScheme name="Office">
       <a:majorFont>
-        <a:latin typeface="Calibri Light" panose="020F0302020204030204"/>
+        <a:latin typeface="Calibri"/>
         <a:ea typeface=""/>
         <a:cs typeface=""/>
-        <a:font script="Jpan" typeface="游ゴシック Light"/>
+        <a:font script="Jpan" typeface="ＭＳ Ｐゴシック"/>
         <a:font script="Hang" typeface="맑은 고딕"/>
-        <a:font script="Hans" typeface="等线 Light"/>
+        <a:font script="Hans" typeface="宋体"/>
         <a:font script="Hant" typeface="新細明體"/>
         <a:font script="Arab" typeface="Times New Roman"/>
         <a:font script="Hebr" typeface="Times New Roman"/>
@@ -3236,15 +3657,14 @@
         <a:font script="Mong" typeface="Mongolian Baiti"/>
         <a:font script="Viet" typeface="Times New Roman"/>
         <a:font script="Uigh" typeface="Microsoft Uighur"/>
-        <a:font script="Geor" typeface="Sylfaen"/>
       </a:majorFont>
       <a:minorFont>
-        <a:latin typeface="Calibri" panose="020F0502020204030204"/>
+        <a:latin typeface="Calibri"/>
         <a:ea typeface=""/>
         <a:cs typeface=""/>
-        <a:font script="Jpan" typeface="游ゴシック"/>
+        <a:font script="Jpan" typeface="ＭＳ Ｐゴシック"/>
         <a:font script="Hang" typeface="맑은 고딕"/>
-        <a:font script="Hans" typeface="等线"/>
+        <a:font script="Hans" typeface="宋体"/>
         <a:font script="Hant" typeface="新細明體"/>
         <a:font script="Arab" typeface="Arial"/>
         <a:font script="Hebr" typeface="Arial"/>
@@ -3271,10 +3691,9 @@
         <a:font script="Mong" typeface="Mongolian Baiti"/>
         <a:font script="Viet" typeface="Arial"/>
         <a:font script="Uigh" typeface="Microsoft Uighur"/>
-        <a:font script="Geor" typeface="Sylfaen"/>
       </a:minorFont>
     </a:fontScheme>
-    <a:fmtScheme name="Тема Office">
+    <a:fmtScheme name="Office">
       <a:fillStyleLst>
         <a:solidFill>
           <a:schemeClr val="phClr"/>
@@ -3283,141 +3702,165 @@
           <a:gsLst>
             <a:gs pos="0">
               <a:schemeClr val="phClr">
-                <a:lumMod val="110000"/>
-                <a:satMod val="105000"/>
-                <a:tint val="67000"/>
+                <a:tint val="50000"/>
+                <a:satMod val="300000"/>
               </a:schemeClr>
             </a:gs>
-            <a:gs pos="50000">
+            <a:gs pos="35000">
               <a:schemeClr val="phClr">
-                <a:lumMod val="105000"/>
-                <a:satMod val="103000"/>
-                <a:tint val="73000"/>
+                <a:tint val="37000"/>
+                <a:satMod val="300000"/>
               </a:schemeClr>
             </a:gs>
             <a:gs pos="100000">
               <a:schemeClr val="phClr">
-                <a:lumMod val="105000"/>
-                <a:satMod val="109000"/>
-                <a:tint val="81000"/>
+                <a:tint val="15000"/>
+                <a:satMod val="350000"/>
               </a:schemeClr>
             </a:gs>
           </a:gsLst>
-          <a:lin ang="5400000" scaled="0"/>
+          <a:lin ang="16200000" scaled="1"/>
         </a:gradFill>
         <a:gradFill rotWithShape="1">
           <a:gsLst>
             <a:gs pos="0">
               <a:schemeClr val="phClr">
-                <a:satMod val="103000"/>
-                <a:lumMod val="102000"/>
-                <a:tint val="94000"/>
+                <a:shade val="51000"/>
+                <a:satMod val="130000"/>
               </a:schemeClr>
             </a:gs>
-            <a:gs pos="50000">
+            <a:gs pos="80000">
               <a:schemeClr val="phClr">
-                <a:satMod val="110000"/>
-                <a:lumMod val="100000"/>
-                <a:shade val="100000"/>
+                <a:shade val="93000"/>
+                <a:satMod val="130000"/>
               </a:schemeClr>
             </a:gs>
             <a:gs pos="100000">
               <a:schemeClr val="phClr">
-                <a:lumMod val="99000"/>
-                <a:satMod val="120000"/>
-                <a:shade val="78000"/>
+                <a:shade val="94000"/>
+                <a:satMod val="135000"/>
               </a:schemeClr>
             </a:gs>
           </a:gsLst>
-          <a:lin ang="5400000" scaled="0"/>
+          <a:lin ang="16200000" scaled="0"/>
         </a:gradFill>
       </a:fillStyleLst>
       <a:lnStyleLst>
-        <a:ln w="6350" cap="flat" cmpd="sng" algn="ctr">
+        <a:ln w="9525" cap="flat" cmpd="sng" algn="ctr">
+          <a:solidFill>
+            <a:schemeClr val="phClr">
+              <a:shade val="95000"/>
+              <a:satMod val="105000"/>
+            </a:schemeClr>
+          </a:solidFill>
+          <a:prstDash val="solid"/>
+        </a:ln>
+        <a:ln w="25400" cap="flat" cmpd="sng" algn="ctr">
           <a:solidFill>
             <a:schemeClr val="phClr"/>
           </a:solidFill>
           <a:prstDash val="solid"/>
-          <a:miter lim="800000"/>
         </a:ln>
-        <a:ln w="12700" cap="flat" cmpd="sng" algn="ctr">
+        <a:ln w="38100" cap="flat" cmpd="sng" algn="ctr">
           <a:solidFill>
             <a:schemeClr val="phClr"/>
           </a:solidFill>
           <a:prstDash val="solid"/>
-          <a:miter lim="800000"/>
-        </a:ln>
-        <a:ln w="19050" cap="flat" cmpd="sng" algn="ctr">
-          <a:solidFill>
-            <a:schemeClr val="phClr"/>
-          </a:solidFill>
-          <a:prstDash val="solid"/>
-          <a:miter lim="800000"/>
         </a:ln>
       </a:lnStyleLst>
       <a:effectStyleLst>
         <a:effectStyle>
-          <a:effectLst/>
-        </a:effectStyle>
-        <a:effectStyle>
-          <a:effectLst/>
+          <a:effectLst>
+            <a:outerShdw blurRad="40000" dist="20000" dir="5400000" rotWithShape="0">
+              <a:srgbClr val="000000">
+                <a:alpha val="38000"/>
+              </a:srgbClr>
+            </a:outerShdw>
+          </a:effectLst>
         </a:effectStyle>
         <a:effectStyle>
           <a:effectLst>
-            <a:outerShdw blurRad="57150" dist="19050" dir="5400000" algn="ctr" rotWithShape="0">
+            <a:outerShdw blurRad="40000" dist="23000" dir="5400000" rotWithShape="0">
               <a:srgbClr val="000000">
-                <a:alpha val="63000"/>
+                <a:alpha val="35000"/>
               </a:srgbClr>
             </a:outerShdw>
           </a:effectLst>
+        </a:effectStyle>
+        <a:effectStyle>
+          <a:effectLst>
+            <a:outerShdw blurRad="40000" dist="23000" dir="5400000" rotWithShape="0">
+              <a:srgbClr val="000000">
+                <a:alpha val="35000"/>
+              </a:srgbClr>
+            </a:outerShdw>
+          </a:effectLst>
+          <a:scene3d>
+            <a:camera prst="orthographicFront">
+              <a:rot lat="0" lon="0" rev="0"/>
+            </a:camera>
+            <a:lightRig rig="threePt" dir="t">
+              <a:rot lat="0" lon="0" rev="1200000"/>
+            </a:lightRig>
+          </a:scene3d>
+          <a:sp3d>
+            <a:bevelT w="63500" h="25400"/>
+          </a:sp3d>
         </a:effectStyle>
       </a:effectStyleLst>
       <a:bgFillStyleLst>
         <a:solidFill>
           <a:schemeClr val="phClr"/>
         </a:solidFill>
-        <a:solidFill>
-          <a:schemeClr val="phClr">
-            <a:tint val="95000"/>
-            <a:satMod val="170000"/>
-          </a:schemeClr>
-        </a:solidFill>
         <a:gradFill rotWithShape="1">
           <a:gsLst>
             <a:gs pos="0">
               <a:schemeClr val="phClr">
-                <a:tint val="93000"/>
-                <a:satMod val="150000"/>
-                <a:shade val="98000"/>
-                <a:lumMod val="102000"/>
+                <a:tint val="40000"/>
+                <a:satMod val="350000"/>
               </a:schemeClr>
             </a:gs>
-            <a:gs pos="50000">
+            <a:gs pos="40000">
               <a:schemeClr val="phClr">
-                <a:tint val="98000"/>
-                <a:satMod val="130000"/>
-                <a:shade val="90000"/>
-                <a:lumMod val="103000"/>
+                <a:tint val="45000"/>
+                <a:shade val="99000"/>
+                <a:satMod val="350000"/>
               </a:schemeClr>
             </a:gs>
             <a:gs pos="100000">
               <a:schemeClr val="phClr">
-                <a:shade val="63000"/>
-                <a:satMod val="120000"/>
+                <a:shade val="20000"/>
+                <a:satMod val="255000"/>
               </a:schemeClr>
             </a:gs>
           </a:gsLst>
-          <a:lin ang="5400000" scaled="0"/>
+          <a:path path="circle">
+            <a:fillToRect l="50000" t="-80000" r="50000" b="180000"/>
+          </a:path>
+        </a:gradFill>
+        <a:gradFill rotWithShape="1">
+          <a:gsLst>
+            <a:gs pos="0">
+              <a:schemeClr val="phClr">
+                <a:tint val="80000"/>
+                <a:satMod val="300000"/>
+              </a:schemeClr>
+            </a:gs>
+            <a:gs pos="100000">
+              <a:schemeClr val="phClr">
+                <a:shade val="30000"/>
+                <a:satMod val="200000"/>
+              </a:schemeClr>
+            </a:gs>
+          </a:gsLst>
+          <a:path path="circle">
+            <a:fillToRect l="50000" t="50000" r="50000" b="50000"/>
+          </a:path>
         </a:gradFill>
       </a:bgFillStyleLst>
     </a:fmtScheme>
   </a:themeElements>
   <a:objectDefaults/>
   <a:extraClrSchemeLst/>
-  <a:extLst>
-    <a:ext uri="{05A4C25C-085E-4340-85A3-A5531E510DB2}">
-      <thm15:themeFamily xmlns:thm15="http://schemas.microsoft.com/office/thememl/2012/main" name="Office Theme" id="{62F939B6-93AF-4DB8-9C6B-D6C7DFDC589F}" vid="{4A3C46E8-61CC-4603-A589-7422A47A8E4A}"/>
-    </a:ext>
-  </a:extLst>
 </a:theme>
 </file>